--- a/E_Friday/GSERM_Friday_SyntacticParsing.pptx
+++ b/E_Friday/GSERM_Friday_SyntacticParsing.pptx
@@ -245,7 +245,7 @@
           <a:p>
             <a:fld id="{B0C0A60C-850A-4EA4-9C14-A8FE98B94505}" type="datetimeFigureOut">
               <a:rPr lang="en-US" smtClean="0"/>
-              <a:t>6/7/2019</a:t>
+              <a:t>8/30/2019</a:t>
             </a:fld>
             <a:endParaRPr lang="en-US"/>
           </a:p>
@@ -596,6 +596,109 @@
 </p:notes>
 </file>
 
+<file path=ppt/notesSlides/notesSlide2.xml><?xml version="1.0" encoding="utf-8"?>
+<p:notes xmlns:a="http://schemas.openxmlformats.org/drawingml/2006/main" xmlns:r="http://schemas.openxmlformats.org/officeDocument/2006/relationships" xmlns:p="http://schemas.openxmlformats.org/presentationml/2006/main">
+  <p:cSld>
+    <p:spTree>
+      <p:nvGrpSpPr>
+        <p:cNvPr id="1" name=""/>
+        <p:cNvGrpSpPr/>
+        <p:nvPr/>
+      </p:nvGrpSpPr>
+      <p:grpSpPr>
+        <a:xfrm>
+          <a:off x="0" y="0"/>
+          <a:ext cx="0" cy="0"/>
+          <a:chOff x="0" y="0"/>
+          <a:chExt cx="0" cy="0"/>
+        </a:xfrm>
+      </p:grpSpPr>
+      <p:sp>
+        <p:nvSpPr>
+          <p:cNvPr id="2" name="Slide Image Placeholder 1"/>
+          <p:cNvSpPr>
+            <a:spLocks noGrp="1" noRot="1" noChangeAspect="1"/>
+          </p:cNvSpPr>
+          <p:nvPr>
+            <p:ph type="sldImg"/>
+          </p:nvPr>
+        </p:nvSpPr>
+        <p:spPr/>
+      </p:sp>
+      <p:sp>
+        <p:nvSpPr>
+          <p:cNvPr id="3" name="Notes Placeholder 2"/>
+          <p:cNvSpPr>
+            <a:spLocks noGrp="1"/>
+          </p:cNvSpPr>
+          <p:nvPr>
+            <p:ph type="body" idx="1"/>
+          </p:nvPr>
+        </p:nvSpPr>
+        <p:spPr/>
+        <p:txBody>
+          <a:bodyPr/>
+          <a:lstStyle/>
+          <a:p>
+            <a:r>
+              <a:rPr lang="en-US" dirty="0" smtClean="0"/>
+              <a:t>Good explanation</a:t>
+            </a:r>
+          </a:p>
+          <a:p>
+            <a:r>
+              <a:rPr lang="en-US" dirty="0" smtClean="0">
+                <a:hlinkClick r:id="rId3"/>
+              </a:rPr>
+              <a:t>www.youtube.com/watch?v=PVShkZgXznc</a:t>
+            </a:r>
+            <a:endParaRPr lang="en-US" dirty="0" smtClean="0"/>
+          </a:p>
+          <a:p>
+            <a:r>
+              <a:rPr lang="en-US" dirty="0" smtClean="0"/>
+              <a:t>12:15</a:t>
+            </a:r>
+            <a:endParaRPr lang="en-US" dirty="0"/>
+          </a:p>
+        </p:txBody>
+      </p:sp>
+      <p:sp>
+        <p:nvSpPr>
+          <p:cNvPr id="4" name="Slide Number Placeholder 3"/>
+          <p:cNvSpPr>
+            <a:spLocks noGrp="1"/>
+          </p:cNvSpPr>
+          <p:nvPr>
+            <p:ph type="sldNum" sz="quarter" idx="10"/>
+          </p:nvPr>
+        </p:nvSpPr>
+        <p:spPr/>
+        <p:txBody>
+          <a:bodyPr/>
+          <a:lstStyle/>
+          <a:p>
+            <a:fld id="{24E9AA13-E3FC-4BB6-B68D-5F0F5803D716}" type="slidenum">
+              <a:rPr lang="en-US" smtClean="0"/>
+              <a:t>15</a:t>
+            </a:fld>
+            <a:endParaRPr lang="en-US"/>
+          </a:p>
+        </p:txBody>
+      </p:sp>
+    </p:spTree>
+    <p:extLst>
+      <p:ext uri="{BB962C8B-B14F-4D97-AF65-F5344CB8AC3E}">
+        <p14:creationId xmlns:p14="http://schemas.microsoft.com/office/powerpoint/2010/main" val="1113746038"/>
+      </p:ext>
+    </p:extLst>
+  </p:cSld>
+  <p:clrMapOvr>
+    <a:masterClrMapping/>
+  </p:clrMapOvr>
+</p:notes>
+</file>
+
 <file path=ppt/slideLayouts/slideLayout1.xml><?xml version="1.0" encoding="utf-8"?>
 <p:sldLayout xmlns:a="http://schemas.openxmlformats.org/drawingml/2006/main" xmlns:r="http://schemas.openxmlformats.org/officeDocument/2006/relationships" xmlns:p="http://schemas.openxmlformats.org/presentationml/2006/main" type="title" preserve="1">
   <p:cSld name="Title Slide">
@@ -728,7 +831,7 @@
           <a:p>
             <a:fld id="{5738B90E-0779-4C36-915C-6F05FCD89456}" type="datetime1">
               <a:rPr lang="en-US" smtClean="0"/>
-              <a:t>6/7/2019</a:t>
+              <a:t>8/30/2019</a:t>
             </a:fld>
             <a:endParaRPr lang="en-US"/>
           </a:p>
@@ -909,7 +1012,7 @@
           <a:p>
             <a:fld id="{7B9EA29D-D431-42FE-B7B6-AAE4454C77D3}" type="datetime1">
               <a:rPr lang="en-US" smtClean="0"/>
-              <a:t>6/7/2019</a:t>
+              <a:t>8/30/2019</a:t>
             </a:fld>
             <a:endParaRPr lang="en-US"/>
           </a:p>
@@ -1167,7 +1270,7 @@
           <a:p>
             <a:fld id="{690D8A1E-EA8F-46C1-B891-AE0C00D9C314}" type="datetime1">
               <a:rPr lang="en-US" smtClean="0"/>
-              <a:t>6/7/2019</a:t>
+              <a:t>8/30/2019</a:t>
             </a:fld>
             <a:endParaRPr lang="en-US"/>
           </a:p>
@@ -1459,7 +1562,7 @@
           <a:p>
             <a:fld id="{D753EFC8-4232-4598-94F6-94C0EBAFC469}" type="datetime1">
               <a:rPr lang="en-US" smtClean="0"/>
-              <a:t>6/7/2019</a:t>
+              <a:t>8/30/2019</a:t>
             </a:fld>
             <a:endParaRPr lang="en-US"/>
           </a:p>
@@ -1772,7 +1875,7 @@
           <a:p>
             <a:fld id="{F3161074-1C18-4AE7-957D-F18524378C85}" type="datetime1">
               <a:rPr lang="en-US" smtClean="0"/>
-              <a:t>6/7/2019</a:t>
+              <a:t>8/30/2019</a:t>
             </a:fld>
             <a:endParaRPr lang="en-US"/>
           </a:p>
@@ -2009,7 +2112,7 @@
           <a:p>
             <a:fld id="{69BE256C-8D9A-4404-B47D-41A1AE514425}" type="datetime1">
               <a:rPr lang="en-US" smtClean="0"/>
-              <a:t>6/7/2019</a:t>
+              <a:t>8/30/2019</a:t>
             </a:fld>
             <a:endParaRPr lang="en-US"/>
           </a:p>
@@ -2441,7 +2544,7 @@
           <a:p>
             <a:fld id="{66CB2154-9035-4012-8189-BAAB61C5A5EE}" type="datetime1">
               <a:rPr lang="en-US" smtClean="0"/>
-              <a:t>6/7/2019</a:t>
+              <a:t>8/30/2019</a:t>
             </a:fld>
             <a:endParaRPr lang="en-US"/>
           </a:p>
@@ -2613,7 +2716,7 @@
           <a:p>
             <a:fld id="{6700A58B-DD98-43D0-B791-721480A02982}" type="datetime1">
               <a:rPr lang="en-US" smtClean="0"/>
-              <a:t>6/7/2019</a:t>
+              <a:t>8/30/2019</a:t>
             </a:fld>
             <a:endParaRPr lang="en-US"/>
           </a:p>
@@ -2803,7 +2906,7 @@
           <a:p>
             <a:fld id="{7DB6E382-4F61-4E24-BE1A-377EC83D0E3A}" type="datetime1">
               <a:rPr lang="en-US" smtClean="0"/>
-              <a:t>6/7/2019</a:t>
+              <a:t>8/30/2019</a:t>
             </a:fld>
             <a:endParaRPr lang="en-US"/>
           </a:p>
@@ -3112,7 +3215,7 @@
           <a:p>
             <a:fld id="{4142EED6-FC16-45B9-B8C4-2BC5DBA88325}" type="datetime1">
               <a:rPr lang="en-US" smtClean="0"/>
-              <a:t>6/7/2019</a:t>
+              <a:t>8/30/2019</a:t>
             </a:fld>
             <a:endParaRPr lang="en-US"/>
           </a:p>
@@ -3428,7 +3531,7 @@
           <a:p>
             <a:fld id="{DF59512B-4F1D-43D7-8819-2F53FEF69650}" type="datetime1">
               <a:rPr lang="en-US" smtClean="0"/>
-              <a:t>6/7/2019</a:t>
+              <a:t>8/30/2019</a:t>
             </a:fld>
             <a:endParaRPr lang="en-US"/>
           </a:p>
@@ -3702,7 +3805,7 @@
           <a:p>
             <a:fld id="{08437B94-E2BF-44DC-ADC5-B05FC9934E9D}" type="datetime1">
               <a:rPr lang="en-US" smtClean="0"/>
-              <a:t>6/7/2019</a:t>
+              <a:t>8/30/2019</a:t>
             </a:fld>
             <a:endParaRPr lang="en-US"/>
           </a:p>
@@ -4215,13 +4318,11 @@
           <a:p>
             <a:r>
               <a:rPr lang="en-US" dirty="0" smtClean="0"/>
-              <a:t>June 21, 2019</a:t>
-            </a:r>
-          </a:p>
-          <a:p>
+              <a:t>Ted </a:t>
+            </a:r>
             <a:r>
               <a:rPr lang="en-US" dirty="0" smtClean="0"/>
-              <a:t> Ted Kwartler</a:t>
+              <a:t>Kwartler</a:t>
             </a:r>
             <a:endParaRPr lang="en-US" dirty="0"/>
           </a:p>
@@ -4244,7 +4345,7 @@
           <a:p>
             <a:fld id="{5738B90E-0779-4C36-915C-6F05FCD89456}" type="datetime1">
               <a:rPr lang="en-US" smtClean="0"/>
-              <a:t>6/7/2019</a:t>
+              <a:t>8/30/2019</a:t>
             </a:fld>
             <a:endParaRPr lang="en-US"/>
           </a:p>
@@ -4338,7 +4439,7 @@
           <p:cNvPr id="2" name="Title 1">
             <a:extLst>
               <a:ext uri="{FF2B5EF4-FFF2-40B4-BE49-F238E27FC236}">
-                <a16:creationId xmlns:a16="http://schemas.microsoft.com/office/drawing/2014/main" xmlns="" id="{272F0863-34AC-422C-AD4A-935E507E27F5}"/>
+                <a16:creationId xmlns="" xmlns:a16="http://schemas.microsoft.com/office/drawing/2014/main" id="{272F0863-34AC-422C-AD4A-935E507E27F5}"/>
               </a:ext>
             </a:extLst>
           </p:cNvPr>
@@ -4366,7 +4467,7 @@
           <p:cNvPr id="4" name="TextBox 3">
             <a:extLst>
               <a:ext uri="{FF2B5EF4-FFF2-40B4-BE49-F238E27FC236}">
-                <a16:creationId xmlns:a16="http://schemas.microsoft.com/office/drawing/2014/main" xmlns="" id="{1FB478D7-B389-4280-86BB-5AC6C576D273}"/>
+                <a16:creationId xmlns="" xmlns:a16="http://schemas.microsoft.com/office/drawing/2014/main" id="{1FB478D7-B389-4280-86BB-5AC6C576D273}"/>
               </a:ext>
             </a:extLst>
           </p:cNvPr>
@@ -4401,7 +4502,7 @@
           <p:cNvPr id="5" name="TextBox 4">
             <a:extLst>
               <a:ext uri="{FF2B5EF4-FFF2-40B4-BE49-F238E27FC236}">
-                <a16:creationId xmlns:a16="http://schemas.microsoft.com/office/drawing/2014/main" xmlns="" id="{1A166BA9-E4BA-4E03-B3A1-2F8F1953074A}"/>
+                <a16:creationId xmlns="" xmlns:a16="http://schemas.microsoft.com/office/drawing/2014/main" id="{1A166BA9-E4BA-4E03-B3A1-2F8F1953074A}"/>
               </a:ext>
             </a:extLst>
           </p:cNvPr>
@@ -4444,7 +4545,7 @@
           <p:cNvPr id="6" name="TextBox 5">
             <a:extLst>
               <a:ext uri="{FF2B5EF4-FFF2-40B4-BE49-F238E27FC236}">
-                <a16:creationId xmlns:a16="http://schemas.microsoft.com/office/drawing/2014/main" xmlns="" id="{9FB15E4F-8290-46EA-9B08-45E60919B753}"/>
+                <a16:creationId xmlns="" xmlns:a16="http://schemas.microsoft.com/office/drawing/2014/main" id="{9FB15E4F-8290-46EA-9B08-45E60919B753}"/>
               </a:ext>
             </a:extLst>
           </p:cNvPr>
@@ -4479,7 +4580,7 @@
           <p:cNvPr id="7" name="TextBox 6">
             <a:extLst>
               <a:ext uri="{FF2B5EF4-FFF2-40B4-BE49-F238E27FC236}">
-                <a16:creationId xmlns:a16="http://schemas.microsoft.com/office/drawing/2014/main" xmlns="" id="{D2615DDC-AB09-4C7E-BBE5-CDEDA72C46DE}"/>
+                <a16:creationId xmlns="" xmlns:a16="http://schemas.microsoft.com/office/drawing/2014/main" id="{D2615DDC-AB09-4C7E-BBE5-CDEDA72C46DE}"/>
               </a:ext>
             </a:extLst>
           </p:cNvPr>
@@ -4514,7 +4615,7 @@
           <p:cNvPr id="8" name="TextBox 7">
             <a:extLst>
               <a:ext uri="{FF2B5EF4-FFF2-40B4-BE49-F238E27FC236}">
-                <a16:creationId xmlns:a16="http://schemas.microsoft.com/office/drawing/2014/main" xmlns="" id="{12E80C3E-5E93-4297-9888-6C8D121E083B}"/>
+                <a16:creationId xmlns="" xmlns:a16="http://schemas.microsoft.com/office/drawing/2014/main" id="{12E80C3E-5E93-4297-9888-6C8D121E083B}"/>
               </a:ext>
             </a:extLst>
           </p:cNvPr>
@@ -4549,7 +4650,7 @@
           <p:cNvPr id="9" name="TextBox 8">
             <a:extLst>
               <a:ext uri="{FF2B5EF4-FFF2-40B4-BE49-F238E27FC236}">
-                <a16:creationId xmlns:a16="http://schemas.microsoft.com/office/drawing/2014/main" xmlns="" id="{600AC2B5-B5A1-4FAD-BB19-951A84928AE3}"/>
+                <a16:creationId xmlns="" xmlns:a16="http://schemas.microsoft.com/office/drawing/2014/main" id="{600AC2B5-B5A1-4FAD-BB19-951A84928AE3}"/>
               </a:ext>
             </a:extLst>
           </p:cNvPr>
@@ -4584,7 +4685,7 @@
           <p:cNvPr id="10" name="TextBox 9">
             <a:extLst>
               <a:ext uri="{FF2B5EF4-FFF2-40B4-BE49-F238E27FC236}">
-                <a16:creationId xmlns:a16="http://schemas.microsoft.com/office/drawing/2014/main" xmlns="" id="{948F0D49-8E99-4100-9AEA-9DE7A1B9BAEF}"/>
+                <a16:creationId xmlns="" xmlns:a16="http://schemas.microsoft.com/office/drawing/2014/main" id="{948F0D49-8E99-4100-9AEA-9DE7A1B9BAEF}"/>
               </a:ext>
             </a:extLst>
           </p:cNvPr>
@@ -4619,7 +4720,7 @@
           <p:cNvPr id="11" name="TextBox 10">
             <a:extLst>
               <a:ext uri="{FF2B5EF4-FFF2-40B4-BE49-F238E27FC236}">
-                <a16:creationId xmlns:a16="http://schemas.microsoft.com/office/drawing/2014/main" xmlns="" id="{E80163B0-C59F-458E-A89B-3144A6D57834}"/>
+                <a16:creationId xmlns="" xmlns:a16="http://schemas.microsoft.com/office/drawing/2014/main" id="{E80163B0-C59F-458E-A89B-3144A6D57834}"/>
               </a:ext>
             </a:extLst>
           </p:cNvPr>
@@ -4654,7 +4755,7 @@
           <p:cNvPr id="21" name="TextBox 20">
             <a:extLst>
               <a:ext uri="{FF2B5EF4-FFF2-40B4-BE49-F238E27FC236}">
-                <a16:creationId xmlns:a16="http://schemas.microsoft.com/office/drawing/2014/main" xmlns="" id="{2E01C5EE-D343-4907-83AC-F0A9AB2C536E}"/>
+                <a16:creationId xmlns="" xmlns:a16="http://schemas.microsoft.com/office/drawing/2014/main" id="{2E01C5EE-D343-4907-83AC-F0A9AB2C536E}"/>
               </a:ext>
             </a:extLst>
           </p:cNvPr>
@@ -4689,7 +4790,7 @@
           <p:cNvPr id="22" name="TextBox 21">
             <a:extLst>
               <a:ext uri="{FF2B5EF4-FFF2-40B4-BE49-F238E27FC236}">
-                <a16:creationId xmlns:a16="http://schemas.microsoft.com/office/drawing/2014/main" xmlns="" id="{12CDFFDE-3CA4-470E-A607-A8A6D1E242D4}"/>
+                <a16:creationId xmlns="" xmlns:a16="http://schemas.microsoft.com/office/drawing/2014/main" id="{12CDFFDE-3CA4-470E-A607-A8A6D1E242D4}"/>
               </a:ext>
             </a:extLst>
           </p:cNvPr>
@@ -4724,7 +4825,7 @@
           <p:cNvPr id="23" name="TextBox 22">
             <a:extLst>
               <a:ext uri="{FF2B5EF4-FFF2-40B4-BE49-F238E27FC236}">
-                <a16:creationId xmlns:a16="http://schemas.microsoft.com/office/drawing/2014/main" xmlns="" id="{50939BFE-53FC-49BD-AA5F-611936FDAC49}"/>
+                <a16:creationId xmlns="" xmlns:a16="http://schemas.microsoft.com/office/drawing/2014/main" id="{50939BFE-53FC-49BD-AA5F-611936FDAC49}"/>
               </a:ext>
             </a:extLst>
           </p:cNvPr>
@@ -4764,7 +4865,7 @@
           <p:cNvPr id="37" name="Connector: Elbow 36">
             <a:extLst>
               <a:ext uri="{FF2B5EF4-FFF2-40B4-BE49-F238E27FC236}">
-                <a16:creationId xmlns:a16="http://schemas.microsoft.com/office/drawing/2014/main" xmlns="" id="{3CA92AD9-01E5-456F-B6E2-019374648DAD}"/>
+                <a16:creationId xmlns="" xmlns:a16="http://schemas.microsoft.com/office/drawing/2014/main" id="{3CA92AD9-01E5-456F-B6E2-019374648DAD}"/>
               </a:ext>
             </a:extLst>
           </p:cNvPr>
@@ -4882,7 +4983,7 @@
           <p:cNvPr id="2" name="Title 1">
             <a:extLst>
               <a:ext uri="{FF2B5EF4-FFF2-40B4-BE49-F238E27FC236}">
-                <a16:creationId xmlns:a16="http://schemas.microsoft.com/office/drawing/2014/main" xmlns="" id="{272F0863-34AC-422C-AD4A-935E507E27F5}"/>
+                <a16:creationId xmlns="" xmlns:a16="http://schemas.microsoft.com/office/drawing/2014/main" id="{272F0863-34AC-422C-AD4A-935E507E27F5}"/>
               </a:ext>
             </a:extLst>
           </p:cNvPr>
@@ -4910,7 +5011,7 @@
           <p:cNvPr id="4" name="TextBox 3">
             <a:extLst>
               <a:ext uri="{FF2B5EF4-FFF2-40B4-BE49-F238E27FC236}">
-                <a16:creationId xmlns:a16="http://schemas.microsoft.com/office/drawing/2014/main" xmlns="" id="{1FB478D7-B389-4280-86BB-5AC6C576D273}"/>
+                <a16:creationId xmlns="" xmlns:a16="http://schemas.microsoft.com/office/drawing/2014/main" id="{1FB478D7-B389-4280-86BB-5AC6C576D273}"/>
               </a:ext>
             </a:extLst>
           </p:cNvPr>
@@ -4945,7 +5046,7 @@
           <p:cNvPr id="5" name="TextBox 4">
             <a:extLst>
               <a:ext uri="{FF2B5EF4-FFF2-40B4-BE49-F238E27FC236}">
-                <a16:creationId xmlns:a16="http://schemas.microsoft.com/office/drawing/2014/main" xmlns="" id="{1A166BA9-E4BA-4E03-B3A1-2F8F1953074A}"/>
+                <a16:creationId xmlns="" xmlns:a16="http://schemas.microsoft.com/office/drawing/2014/main" id="{1A166BA9-E4BA-4E03-B3A1-2F8F1953074A}"/>
               </a:ext>
             </a:extLst>
           </p:cNvPr>
@@ -5002,7 +5103,7 @@
           <p:cNvPr id="6" name="TextBox 5">
             <a:extLst>
               <a:ext uri="{FF2B5EF4-FFF2-40B4-BE49-F238E27FC236}">
-                <a16:creationId xmlns:a16="http://schemas.microsoft.com/office/drawing/2014/main" xmlns="" id="{9FB15E4F-8290-46EA-9B08-45E60919B753}"/>
+                <a16:creationId xmlns="" xmlns:a16="http://schemas.microsoft.com/office/drawing/2014/main" id="{9FB15E4F-8290-46EA-9B08-45E60919B753}"/>
               </a:ext>
             </a:extLst>
           </p:cNvPr>
@@ -5037,7 +5138,7 @@
           <p:cNvPr id="7" name="TextBox 6">
             <a:extLst>
               <a:ext uri="{FF2B5EF4-FFF2-40B4-BE49-F238E27FC236}">
-                <a16:creationId xmlns:a16="http://schemas.microsoft.com/office/drawing/2014/main" xmlns="" id="{D2615DDC-AB09-4C7E-BBE5-CDEDA72C46DE}"/>
+                <a16:creationId xmlns="" xmlns:a16="http://schemas.microsoft.com/office/drawing/2014/main" id="{D2615DDC-AB09-4C7E-BBE5-CDEDA72C46DE}"/>
               </a:ext>
             </a:extLst>
           </p:cNvPr>
@@ -5072,7 +5173,7 @@
           <p:cNvPr id="8" name="TextBox 7">
             <a:extLst>
               <a:ext uri="{FF2B5EF4-FFF2-40B4-BE49-F238E27FC236}">
-                <a16:creationId xmlns:a16="http://schemas.microsoft.com/office/drawing/2014/main" xmlns="" id="{12E80C3E-5E93-4297-9888-6C8D121E083B}"/>
+                <a16:creationId xmlns="" xmlns:a16="http://schemas.microsoft.com/office/drawing/2014/main" id="{12E80C3E-5E93-4297-9888-6C8D121E083B}"/>
               </a:ext>
             </a:extLst>
           </p:cNvPr>
@@ -5107,7 +5208,7 @@
           <p:cNvPr id="9" name="TextBox 8">
             <a:extLst>
               <a:ext uri="{FF2B5EF4-FFF2-40B4-BE49-F238E27FC236}">
-                <a16:creationId xmlns:a16="http://schemas.microsoft.com/office/drawing/2014/main" xmlns="" id="{600AC2B5-B5A1-4FAD-BB19-951A84928AE3}"/>
+                <a16:creationId xmlns="" xmlns:a16="http://schemas.microsoft.com/office/drawing/2014/main" id="{600AC2B5-B5A1-4FAD-BB19-951A84928AE3}"/>
               </a:ext>
             </a:extLst>
           </p:cNvPr>
@@ -5142,7 +5243,7 @@
           <p:cNvPr id="10" name="TextBox 9">
             <a:extLst>
               <a:ext uri="{FF2B5EF4-FFF2-40B4-BE49-F238E27FC236}">
-                <a16:creationId xmlns:a16="http://schemas.microsoft.com/office/drawing/2014/main" xmlns="" id="{948F0D49-8E99-4100-9AEA-9DE7A1B9BAEF}"/>
+                <a16:creationId xmlns="" xmlns:a16="http://schemas.microsoft.com/office/drawing/2014/main" id="{948F0D49-8E99-4100-9AEA-9DE7A1B9BAEF}"/>
               </a:ext>
             </a:extLst>
           </p:cNvPr>
@@ -5177,7 +5278,7 @@
           <p:cNvPr id="11" name="TextBox 10">
             <a:extLst>
               <a:ext uri="{FF2B5EF4-FFF2-40B4-BE49-F238E27FC236}">
-                <a16:creationId xmlns:a16="http://schemas.microsoft.com/office/drawing/2014/main" xmlns="" id="{E80163B0-C59F-458E-A89B-3144A6D57834}"/>
+                <a16:creationId xmlns="" xmlns:a16="http://schemas.microsoft.com/office/drawing/2014/main" id="{E80163B0-C59F-458E-A89B-3144A6D57834}"/>
               </a:ext>
             </a:extLst>
           </p:cNvPr>
@@ -5212,7 +5313,7 @@
           <p:cNvPr id="21" name="TextBox 20">
             <a:extLst>
               <a:ext uri="{FF2B5EF4-FFF2-40B4-BE49-F238E27FC236}">
-                <a16:creationId xmlns:a16="http://schemas.microsoft.com/office/drawing/2014/main" xmlns="" id="{2E01C5EE-D343-4907-83AC-F0A9AB2C536E}"/>
+                <a16:creationId xmlns="" xmlns:a16="http://schemas.microsoft.com/office/drawing/2014/main" id="{2E01C5EE-D343-4907-83AC-F0A9AB2C536E}"/>
               </a:ext>
             </a:extLst>
           </p:cNvPr>
@@ -5247,7 +5348,7 @@
           <p:cNvPr id="22" name="TextBox 21">
             <a:extLst>
               <a:ext uri="{FF2B5EF4-FFF2-40B4-BE49-F238E27FC236}">
-                <a16:creationId xmlns:a16="http://schemas.microsoft.com/office/drawing/2014/main" xmlns="" id="{12CDFFDE-3CA4-470E-A607-A8A6D1E242D4}"/>
+                <a16:creationId xmlns="" xmlns:a16="http://schemas.microsoft.com/office/drawing/2014/main" id="{12CDFFDE-3CA4-470E-A607-A8A6D1E242D4}"/>
               </a:ext>
             </a:extLst>
           </p:cNvPr>
@@ -5282,7 +5383,7 @@
           <p:cNvPr id="23" name="TextBox 22">
             <a:extLst>
               <a:ext uri="{FF2B5EF4-FFF2-40B4-BE49-F238E27FC236}">
-                <a16:creationId xmlns:a16="http://schemas.microsoft.com/office/drawing/2014/main" xmlns="" id="{50939BFE-53FC-49BD-AA5F-611936FDAC49}"/>
+                <a16:creationId xmlns="" xmlns:a16="http://schemas.microsoft.com/office/drawing/2014/main" id="{50939BFE-53FC-49BD-AA5F-611936FDAC49}"/>
               </a:ext>
             </a:extLst>
           </p:cNvPr>
@@ -5322,7 +5423,7 @@
           <p:cNvPr id="37" name="Connector: Elbow 36">
             <a:extLst>
               <a:ext uri="{FF2B5EF4-FFF2-40B4-BE49-F238E27FC236}">
-                <a16:creationId xmlns:a16="http://schemas.microsoft.com/office/drawing/2014/main" xmlns="" id="{3CA92AD9-01E5-456F-B6E2-019374648DAD}"/>
+                <a16:creationId xmlns="" xmlns:a16="http://schemas.microsoft.com/office/drawing/2014/main" id="{3CA92AD9-01E5-456F-B6E2-019374648DAD}"/>
               </a:ext>
             </a:extLst>
           </p:cNvPr>
@@ -5370,7 +5471,7 @@
           <p:cNvPr id="39" name="Connector: Elbow 38">
             <a:extLst>
               <a:ext uri="{FF2B5EF4-FFF2-40B4-BE49-F238E27FC236}">
-                <a16:creationId xmlns:a16="http://schemas.microsoft.com/office/drawing/2014/main" xmlns="" id="{141DF2F9-DDD5-445C-ABB2-30CAA47BE158}"/>
+                <a16:creationId xmlns="" xmlns:a16="http://schemas.microsoft.com/office/drawing/2014/main" id="{141DF2F9-DDD5-445C-ABB2-30CAA47BE158}"/>
               </a:ext>
             </a:extLst>
           </p:cNvPr>
@@ -5415,7 +5516,7 @@
           <p:cNvPr id="42" name="Connector: Elbow 41">
             <a:extLst>
               <a:ext uri="{FF2B5EF4-FFF2-40B4-BE49-F238E27FC236}">
-                <a16:creationId xmlns:a16="http://schemas.microsoft.com/office/drawing/2014/main" xmlns="" id="{E42DB429-ACFF-441B-B9B4-06E6CB4892C3}"/>
+                <a16:creationId xmlns="" xmlns:a16="http://schemas.microsoft.com/office/drawing/2014/main" id="{E42DB429-ACFF-441B-B9B4-06E6CB4892C3}"/>
               </a:ext>
             </a:extLst>
           </p:cNvPr>
@@ -5533,7 +5634,7 @@
           <p:cNvPr id="2" name="Title 1">
             <a:extLst>
               <a:ext uri="{FF2B5EF4-FFF2-40B4-BE49-F238E27FC236}">
-                <a16:creationId xmlns:a16="http://schemas.microsoft.com/office/drawing/2014/main" xmlns="" id="{272F0863-34AC-422C-AD4A-935E507E27F5}"/>
+                <a16:creationId xmlns="" xmlns:a16="http://schemas.microsoft.com/office/drawing/2014/main" id="{272F0863-34AC-422C-AD4A-935E507E27F5}"/>
               </a:ext>
             </a:extLst>
           </p:cNvPr>
@@ -5561,7 +5662,7 @@
           <p:cNvPr id="4" name="TextBox 3">
             <a:extLst>
               <a:ext uri="{FF2B5EF4-FFF2-40B4-BE49-F238E27FC236}">
-                <a16:creationId xmlns:a16="http://schemas.microsoft.com/office/drawing/2014/main" xmlns="" id="{1FB478D7-B389-4280-86BB-5AC6C576D273}"/>
+                <a16:creationId xmlns="" xmlns:a16="http://schemas.microsoft.com/office/drawing/2014/main" id="{1FB478D7-B389-4280-86BB-5AC6C576D273}"/>
               </a:ext>
             </a:extLst>
           </p:cNvPr>
@@ -5596,7 +5697,7 @@
           <p:cNvPr id="5" name="TextBox 4">
             <a:extLst>
               <a:ext uri="{FF2B5EF4-FFF2-40B4-BE49-F238E27FC236}">
-                <a16:creationId xmlns:a16="http://schemas.microsoft.com/office/drawing/2014/main" xmlns="" id="{1A166BA9-E4BA-4E03-B3A1-2F8F1953074A}"/>
+                <a16:creationId xmlns="" xmlns:a16="http://schemas.microsoft.com/office/drawing/2014/main" id="{1A166BA9-E4BA-4E03-B3A1-2F8F1953074A}"/>
               </a:ext>
             </a:extLst>
           </p:cNvPr>
@@ -5674,7 +5775,7 @@
           <p:cNvPr id="6" name="TextBox 5">
             <a:extLst>
               <a:ext uri="{FF2B5EF4-FFF2-40B4-BE49-F238E27FC236}">
-                <a16:creationId xmlns:a16="http://schemas.microsoft.com/office/drawing/2014/main" xmlns="" id="{9FB15E4F-8290-46EA-9B08-45E60919B753}"/>
+                <a16:creationId xmlns="" xmlns:a16="http://schemas.microsoft.com/office/drawing/2014/main" id="{9FB15E4F-8290-46EA-9B08-45E60919B753}"/>
               </a:ext>
             </a:extLst>
           </p:cNvPr>
@@ -5709,7 +5810,7 @@
           <p:cNvPr id="7" name="TextBox 6">
             <a:extLst>
               <a:ext uri="{FF2B5EF4-FFF2-40B4-BE49-F238E27FC236}">
-                <a16:creationId xmlns:a16="http://schemas.microsoft.com/office/drawing/2014/main" xmlns="" id="{D2615DDC-AB09-4C7E-BBE5-CDEDA72C46DE}"/>
+                <a16:creationId xmlns="" xmlns:a16="http://schemas.microsoft.com/office/drawing/2014/main" id="{D2615DDC-AB09-4C7E-BBE5-CDEDA72C46DE}"/>
               </a:ext>
             </a:extLst>
           </p:cNvPr>
@@ -5744,7 +5845,7 @@
           <p:cNvPr id="8" name="TextBox 7">
             <a:extLst>
               <a:ext uri="{FF2B5EF4-FFF2-40B4-BE49-F238E27FC236}">
-                <a16:creationId xmlns:a16="http://schemas.microsoft.com/office/drawing/2014/main" xmlns="" id="{12E80C3E-5E93-4297-9888-6C8D121E083B}"/>
+                <a16:creationId xmlns="" xmlns:a16="http://schemas.microsoft.com/office/drawing/2014/main" id="{12E80C3E-5E93-4297-9888-6C8D121E083B}"/>
               </a:ext>
             </a:extLst>
           </p:cNvPr>
@@ -5779,7 +5880,7 @@
           <p:cNvPr id="9" name="TextBox 8">
             <a:extLst>
               <a:ext uri="{FF2B5EF4-FFF2-40B4-BE49-F238E27FC236}">
-                <a16:creationId xmlns:a16="http://schemas.microsoft.com/office/drawing/2014/main" xmlns="" id="{600AC2B5-B5A1-4FAD-BB19-951A84928AE3}"/>
+                <a16:creationId xmlns="" xmlns:a16="http://schemas.microsoft.com/office/drawing/2014/main" id="{600AC2B5-B5A1-4FAD-BB19-951A84928AE3}"/>
               </a:ext>
             </a:extLst>
           </p:cNvPr>
@@ -5814,7 +5915,7 @@
           <p:cNvPr id="10" name="TextBox 9">
             <a:extLst>
               <a:ext uri="{FF2B5EF4-FFF2-40B4-BE49-F238E27FC236}">
-                <a16:creationId xmlns:a16="http://schemas.microsoft.com/office/drawing/2014/main" xmlns="" id="{948F0D49-8E99-4100-9AEA-9DE7A1B9BAEF}"/>
+                <a16:creationId xmlns="" xmlns:a16="http://schemas.microsoft.com/office/drawing/2014/main" id="{948F0D49-8E99-4100-9AEA-9DE7A1B9BAEF}"/>
               </a:ext>
             </a:extLst>
           </p:cNvPr>
@@ -5849,7 +5950,7 @@
           <p:cNvPr id="11" name="TextBox 10">
             <a:extLst>
               <a:ext uri="{FF2B5EF4-FFF2-40B4-BE49-F238E27FC236}">
-                <a16:creationId xmlns:a16="http://schemas.microsoft.com/office/drawing/2014/main" xmlns="" id="{E80163B0-C59F-458E-A89B-3144A6D57834}"/>
+                <a16:creationId xmlns="" xmlns:a16="http://schemas.microsoft.com/office/drawing/2014/main" id="{E80163B0-C59F-458E-A89B-3144A6D57834}"/>
               </a:ext>
             </a:extLst>
           </p:cNvPr>
@@ -5884,7 +5985,7 @@
           <p:cNvPr id="21" name="TextBox 20">
             <a:extLst>
               <a:ext uri="{FF2B5EF4-FFF2-40B4-BE49-F238E27FC236}">
-                <a16:creationId xmlns:a16="http://schemas.microsoft.com/office/drawing/2014/main" xmlns="" id="{2E01C5EE-D343-4907-83AC-F0A9AB2C536E}"/>
+                <a16:creationId xmlns="" xmlns:a16="http://schemas.microsoft.com/office/drawing/2014/main" id="{2E01C5EE-D343-4907-83AC-F0A9AB2C536E}"/>
               </a:ext>
             </a:extLst>
           </p:cNvPr>
@@ -5919,7 +6020,7 @@
           <p:cNvPr id="22" name="TextBox 21">
             <a:extLst>
               <a:ext uri="{FF2B5EF4-FFF2-40B4-BE49-F238E27FC236}">
-                <a16:creationId xmlns:a16="http://schemas.microsoft.com/office/drawing/2014/main" xmlns="" id="{12CDFFDE-3CA4-470E-A607-A8A6D1E242D4}"/>
+                <a16:creationId xmlns="" xmlns:a16="http://schemas.microsoft.com/office/drawing/2014/main" id="{12CDFFDE-3CA4-470E-A607-A8A6D1E242D4}"/>
               </a:ext>
             </a:extLst>
           </p:cNvPr>
@@ -5954,7 +6055,7 @@
           <p:cNvPr id="23" name="TextBox 22">
             <a:extLst>
               <a:ext uri="{FF2B5EF4-FFF2-40B4-BE49-F238E27FC236}">
-                <a16:creationId xmlns:a16="http://schemas.microsoft.com/office/drawing/2014/main" xmlns="" id="{50939BFE-53FC-49BD-AA5F-611936FDAC49}"/>
+                <a16:creationId xmlns="" xmlns:a16="http://schemas.microsoft.com/office/drawing/2014/main" id="{50939BFE-53FC-49BD-AA5F-611936FDAC49}"/>
               </a:ext>
             </a:extLst>
           </p:cNvPr>
@@ -5989,7 +6090,7 @@
           <p:cNvPr id="33" name="Connector: Elbow 32">
             <a:extLst>
               <a:ext uri="{FF2B5EF4-FFF2-40B4-BE49-F238E27FC236}">
-                <a16:creationId xmlns:a16="http://schemas.microsoft.com/office/drawing/2014/main" xmlns="" id="{23387639-8F6E-4651-9F49-91E358409498}"/>
+                <a16:creationId xmlns="" xmlns:a16="http://schemas.microsoft.com/office/drawing/2014/main" id="{23387639-8F6E-4651-9F49-91E358409498}"/>
               </a:ext>
             </a:extLst>
           </p:cNvPr>
@@ -6033,7 +6134,7 @@
           <p:cNvPr id="37" name="Connector: Elbow 36">
             <a:extLst>
               <a:ext uri="{FF2B5EF4-FFF2-40B4-BE49-F238E27FC236}">
-                <a16:creationId xmlns:a16="http://schemas.microsoft.com/office/drawing/2014/main" xmlns="" id="{3CA92AD9-01E5-456F-B6E2-019374648DAD}"/>
+                <a16:creationId xmlns="" xmlns:a16="http://schemas.microsoft.com/office/drawing/2014/main" id="{3CA92AD9-01E5-456F-B6E2-019374648DAD}"/>
               </a:ext>
             </a:extLst>
           </p:cNvPr>
@@ -6081,7 +6182,7 @@
           <p:cNvPr id="39" name="Connector: Elbow 38">
             <a:extLst>
               <a:ext uri="{FF2B5EF4-FFF2-40B4-BE49-F238E27FC236}">
-                <a16:creationId xmlns:a16="http://schemas.microsoft.com/office/drawing/2014/main" xmlns="" id="{141DF2F9-DDD5-445C-ABB2-30CAA47BE158}"/>
+                <a16:creationId xmlns="" xmlns:a16="http://schemas.microsoft.com/office/drawing/2014/main" id="{141DF2F9-DDD5-445C-ABB2-30CAA47BE158}"/>
               </a:ext>
             </a:extLst>
           </p:cNvPr>
@@ -6129,7 +6230,7 @@
           <p:cNvPr id="42" name="Connector: Elbow 41">
             <a:extLst>
               <a:ext uri="{FF2B5EF4-FFF2-40B4-BE49-F238E27FC236}">
-                <a16:creationId xmlns:a16="http://schemas.microsoft.com/office/drawing/2014/main" xmlns="" id="{E42DB429-ACFF-441B-B9B4-06E6CB4892C3}"/>
+                <a16:creationId xmlns="" xmlns:a16="http://schemas.microsoft.com/office/drawing/2014/main" id="{E42DB429-ACFF-441B-B9B4-06E6CB4892C3}"/>
               </a:ext>
             </a:extLst>
           </p:cNvPr>
@@ -6250,7 +6351,7 @@
           <p:cNvPr id="2" name="Title 1">
             <a:extLst>
               <a:ext uri="{FF2B5EF4-FFF2-40B4-BE49-F238E27FC236}">
-                <a16:creationId xmlns:a16="http://schemas.microsoft.com/office/drawing/2014/main" xmlns="" id="{272F0863-34AC-422C-AD4A-935E507E27F5}"/>
+                <a16:creationId xmlns="" xmlns:a16="http://schemas.microsoft.com/office/drawing/2014/main" id="{272F0863-34AC-422C-AD4A-935E507E27F5}"/>
               </a:ext>
             </a:extLst>
           </p:cNvPr>
@@ -6278,7 +6379,7 @@
           <p:cNvPr id="4" name="TextBox 3">
             <a:extLst>
               <a:ext uri="{FF2B5EF4-FFF2-40B4-BE49-F238E27FC236}">
-                <a16:creationId xmlns:a16="http://schemas.microsoft.com/office/drawing/2014/main" xmlns="" id="{1FB478D7-B389-4280-86BB-5AC6C576D273}"/>
+                <a16:creationId xmlns="" xmlns:a16="http://schemas.microsoft.com/office/drawing/2014/main" id="{1FB478D7-B389-4280-86BB-5AC6C576D273}"/>
               </a:ext>
             </a:extLst>
           </p:cNvPr>
@@ -6313,7 +6414,7 @@
           <p:cNvPr id="5" name="TextBox 4">
             <a:extLst>
               <a:ext uri="{FF2B5EF4-FFF2-40B4-BE49-F238E27FC236}">
-                <a16:creationId xmlns:a16="http://schemas.microsoft.com/office/drawing/2014/main" xmlns="" id="{1A166BA9-E4BA-4E03-B3A1-2F8F1953074A}"/>
+                <a16:creationId xmlns="" xmlns:a16="http://schemas.microsoft.com/office/drawing/2014/main" id="{1A166BA9-E4BA-4E03-B3A1-2F8F1953074A}"/>
               </a:ext>
             </a:extLst>
           </p:cNvPr>
@@ -6406,7 +6507,7 @@
           <p:cNvPr id="6" name="TextBox 5">
             <a:extLst>
               <a:ext uri="{FF2B5EF4-FFF2-40B4-BE49-F238E27FC236}">
-                <a16:creationId xmlns:a16="http://schemas.microsoft.com/office/drawing/2014/main" xmlns="" id="{9FB15E4F-8290-46EA-9B08-45E60919B753}"/>
+                <a16:creationId xmlns="" xmlns:a16="http://schemas.microsoft.com/office/drawing/2014/main" id="{9FB15E4F-8290-46EA-9B08-45E60919B753}"/>
               </a:ext>
             </a:extLst>
           </p:cNvPr>
@@ -6441,7 +6542,7 @@
           <p:cNvPr id="7" name="TextBox 6">
             <a:extLst>
               <a:ext uri="{FF2B5EF4-FFF2-40B4-BE49-F238E27FC236}">
-                <a16:creationId xmlns:a16="http://schemas.microsoft.com/office/drawing/2014/main" xmlns="" id="{D2615DDC-AB09-4C7E-BBE5-CDEDA72C46DE}"/>
+                <a16:creationId xmlns="" xmlns:a16="http://schemas.microsoft.com/office/drawing/2014/main" id="{D2615DDC-AB09-4C7E-BBE5-CDEDA72C46DE}"/>
               </a:ext>
             </a:extLst>
           </p:cNvPr>
@@ -6476,7 +6577,7 @@
           <p:cNvPr id="8" name="TextBox 7">
             <a:extLst>
               <a:ext uri="{FF2B5EF4-FFF2-40B4-BE49-F238E27FC236}">
-                <a16:creationId xmlns:a16="http://schemas.microsoft.com/office/drawing/2014/main" xmlns="" id="{12E80C3E-5E93-4297-9888-6C8D121E083B}"/>
+                <a16:creationId xmlns="" xmlns:a16="http://schemas.microsoft.com/office/drawing/2014/main" id="{12E80C3E-5E93-4297-9888-6C8D121E083B}"/>
               </a:ext>
             </a:extLst>
           </p:cNvPr>
@@ -6511,7 +6612,7 @@
           <p:cNvPr id="9" name="TextBox 8">
             <a:extLst>
               <a:ext uri="{FF2B5EF4-FFF2-40B4-BE49-F238E27FC236}">
-                <a16:creationId xmlns:a16="http://schemas.microsoft.com/office/drawing/2014/main" xmlns="" id="{600AC2B5-B5A1-4FAD-BB19-951A84928AE3}"/>
+                <a16:creationId xmlns="" xmlns:a16="http://schemas.microsoft.com/office/drawing/2014/main" id="{600AC2B5-B5A1-4FAD-BB19-951A84928AE3}"/>
               </a:ext>
             </a:extLst>
           </p:cNvPr>
@@ -6546,7 +6647,7 @@
           <p:cNvPr id="10" name="TextBox 9">
             <a:extLst>
               <a:ext uri="{FF2B5EF4-FFF2-40B4-BE49-F238E27FC236}">
-                <a16:creationId xmlns:a16="http://schemas.microsoft.com/office/drawing/2014/main" xmlns="" id="{948F0D49-8E99-4100-9AEA-9DE7A1B9BAEF}"/>
+                <a16:creationId xmlns="" xmlns:a16="http://schemas.microsoft.com/office/drawing/2014/main" id="{948F0D49-8E99-4100-9AEA-9DE7A1B9BAEF}"/>
               </a:ext>
             </a:extLst>
           </p:cNvPr>
@@ -6581,7 +6682,7 @@
           <p:cNvPr id="11" name="TextBox 10">
             <a:extLst>
               <a:ext uri="{FF2B5EF4-FFF2-40B4-BE49-F238E27FC236}">
-                <a16:creationId xmlns:a16="http://schemas.microsoft.com/office/drawing/2014/main" xmlns="" id="{E80163B0-C59F-458E-A89B-3144A6D57834}"/>
+                <a16:creationId xmlns="" xmlns:a16="http://schemas.microsoft.com/office/drawing/2014/main" id="{E80163B0-C59F-458E-A89B-3144A6D57834}"/>
               </a:ext>
             </a:extLst>
           </p:cNvPr>
@@ -6616,7 +6717,7 @@
           <p:cNvPr id="21" name="TextBox 20">
             <a:extLst>
               <a:ext uri="{FF2B5EF4-FFF2-40B4-BE49-F238E27FC236}">
-                <a16:creationId xmlns:a16="http://schemas.microsoft.com/office/drawing/2014/main" xmlns="" id="{2E01C5EE-D343-4907-83AC-F0A9AB2C536E}"/>
+                <a16:creationId xmlns="" xmlns:a16="http://schemas.microsoft.com/office/drawing/2014/main" id="{2E01C5EE-D343-4907-83AC-F0A9AB2C536E}"/>
               </a:ext>
             </a:extLst>
           </p:cNvPr>
@@ -6651,7 +6752,7 @@
           <p:cNvPr id="22" name="TextBox 21">
             <a:extLst>
               <a:ext uri="{FF2B5EF4-FFF2-40B4-BE49-F238E27FC236}">
-                <a16:creationId xmlns:a16="http://schemas.microsoft.com/office/drawing/2014/main" xmlns="" id="{12CDFFDE-3CA4-470E-A607-A8A6D1E242D4}"/>
+                <a16:creationId xmlns="" xmlns:a16="http://schemas.microsoft.com/office/drawing/2014/main" id="{12CDFFDE-3CA4-470E-A607-A8A6D1E242D4}"/>
               </a:ext>
             </a:extLst>
           </p:cNvPr>
@@ -6686,7 +6787,7 @@
           <p:cNvPr id="23" name="TextBox 22">
             <a:extLst>
               <a:ext uri="{FF2B5EF4-FFF2-40B4-BE49-F238E27FC236}">
-                <a16:creationId xmlns:a16="http://schemas.microsoft.com/office/drawing/2014/main" xmlns="" id="{50939BFE-53FC-49BD-AA5F-611936FDAC49}"/>
+                <a16:creationId xmlns="" xmlns:a16="http://schemas.microsoft.com/office/drawing/2014/main" id="{50939BFE-53FC-49BD-AA5F-611936FDAC49}"/>
               </a:ext>
             </a:extLst>
           </p:cNvPr>
@@ -6721,7 +6822,7 @@
           <p:cNvPr id="29" name="Connector: Elbow 28">
             <a:extLst>
               <a:ext uri="{FF2B5EF4-FFF2-40B4-BE49-F238E27FC236}">
-                <a16:creationId xmlns:a16="http://schemas.microsoft.com/office/drawing/2014/main" xmlns="" id="{B6F918EE-54E3-4177-8DEB-A8D26A72271D}"/>
+                <a16:creationId xmlns="" xmlns:a16="http://schemas.microsoft.com/office/drawing/2014/main" id="{B6F918EE-54E3-4177-8DEB-A8D26A72271D}"/>
               </a:ext>
             </a:extLst>
           </p:cNvPr>
@@ -6765,7 +6866,7 @@
           <p:cNvPr id="31" name="Connector: Elbow 30">
             <a:extLst>
               <a:ext uri="{FF2B5EF4-FFF2-40B4-BE49-F238E27FC236}">
-                <a16:creationId xmlns:a16="http://schemas.microsoft.com/office/drawing/2014/main" xmlns="" id="{B0B37A80-0E28-45F4-AA86-2ABB1113E7B0}"/>
+                <a16:creationId xmlns="" xmlns:a16="http://schemas.microsoft.com/office/drawing/2014/main" id="{B0B37A80-0E28-45F4-AA86-2ABB1113E7B0}"/>
               </a:ext>
             </a:extLst>
           </p:cNvPr>
@@ -6809,7 +6910,7 @@
           <p:cNvPr id="33" name="Connector: Elbow 32">
             <a:extLst>
               <a:ext uri="{FF2B5EF4-FFF2-40B4-BE49-F238E27FC236}">
-                <a16:creationId xmlns:a16="http://schemas.microsoft.com/office/drawing/2014/main" xmlns="" id="{23387639-8F6E-4651-9F49-91E358409498}"/>
+                <a16:creationId xmlns="" xmlns:a16="http://schemas.microsoft.com/office/drawing/2014/main" id="{23387639-8F6E-4651-9F49-91E358409498}"/>
               </a:ext>
             </a:extLst>
           </p:cNvPr>
@@ -6856,7 +6957,7 @@
           <p:cNvPr id="37" name="Connector: Elbow 36">
             <a:extLst>
               <a:ext uri="{FF2B5EF4-FFF2-40B4-BE49-F238E27FC236}">
-                <a16:creationId xmlns:a16="http://schemas.microsoft.com/office/drawing/2014/main" xmlns="" id="{3CA92AD9-01E5-456F-B6E2-019374648DAD}"/>
+                <a16:creationId xmlns="" xmlns:a16="http://schemas.microsoft.com/office/drawing/2014/main" id="{3CA92AD9-01E5-456F-B6E2-019374648DAD}"/>
               </a:ext>
             </a:extLst>
           </p:cNvPr>
@@ -6904,7 +7005,7 @@
           <p:cNvPr id="39" name="Connector: Elbow 38">
             <a:extLst>
               <a:ext uri="{FF2B5EF4-FFF2-40B4-BE49-F238E27FC236}">
-                <a16:creationId xmlns:a16="http://schemas.microsoft.com/office/drawing/2014/main" xmlns="" id="{141DF2F9-DDD5-445C-ABB2-30CAA47BE158}"/>
+                <a16:creationId xmlns="" xmlns:a16="http://schemas.microsoft.com/office/drawing/2014/main" id="{141DF2F9-DDD5-445C-ABB2-30CAA47BE158}"/>
               </a:ext>
             </a:extLst>
           </p:cNvPr>
@@ -6952,7 +7053,7 @@
           <p:cNvPr id="42" name="Connector: Elbow 41">
             <a:extLst>
               <a:ext uri="{FF2B5EF4-FFF2-40B4-BE49-F238E27FC236}">
-                <a16:creationId xmlns:a16="http://schemas.microsoft.com/office/drawing/2014/main" xmlns="" id="{E42DB429-ACFF-441B-B9B4-06E6CB4892C3}"/>
+                <a16:creationId xmlns="" xmlns:a16="http://schemas.microsoft.com/office/drawing/2014/main" id="{E42DB429-ACFF-441B-B9B4-06E6CB4892C3}"/>
               </a:ext>
             </a:extLst>
           </p:cNvPr>
@@ -7073,7 +7174,7 @@
           <p:cNvPr id="2" name="Title 1">
             <a:extLst>
               <a:ext uri="{FF2B5EF4-FFF2-40B4-BE49-F238E27FC236}">
-                <a16:creationId xmlns:a16="http://schemas.microsoft.com/office/drawing/2014/main" xmlns="" id="{272F0863-34AC-422C-AD4A-935E507E27F5}"/>
+                <a16:creationId xmlns="" xmlns:a16="http://schemas.microsoft.com/office/drawing/2014/main" id="{272F0863-34AC-422C-AD4A-935E507E27F5}"/>
               </a:ext>
             </a:extLst>
           </p:cNvPr>
@@ -7101,7 +7202,7 @@
           <p:cNvPr id="4" name="TextBox 3">
             <a:extLst>
               <a:ext uri="{FF2B5EF4-FFF2-40B4-BE49-F238E27FC236}">
-                <a16:creationId xmlns:a16="http://schemas.microsoft.com/office/drawing/2014/main" xmlns="" id="{1FB478D7-B389-4280-86BB-5AC6C576D273}"/>
+                <a16:creationId xmlns="" xmlns:a16="http://schemas.microsoft.com/office/drawing/2014/main" id="{1FB478D7-B389-4280-86BB-5AC6C576D273}"/>
               </a:ext>
             </a:extLst>
           </p:cNvPr>
@@ -7136,7 +7237,7 @@
           <p:cNvPr id="5" name="TextBox 4">
             <a:extLst>
               <a:ext uri="{FF2B5EF4-FFF2-40B4-BE49-F238E27FC236}">
-                <a16:creationId xmlns:a16="http://schemas.microsoft.com/office/drawing/2014/main" xmlns="" id="{1A166BA9-E4BA-4E03-B3A1-2F8F1953074A}"/>
+                <a16:creationId xmlns="" xmlns:a16="http://schemas.microsoft.com/office/drawing/2014/main" id="{1A166BA9-E4BA-4E03-B3A1-2F8F1953074A}"/>
               </a:ext>
             </a:extLst>
           </p:cNvPr>
@@ -7251,7 +7352,7 @@
           <p:cNvPr id="6" name="TextBox 5">
             <a:extLst>
               <a:ext uri="{FF2B5EF4-FFF2-40B4-BE49-F238E27FC236}">
-                <a16:creationId xmlns:a16="http://schemas.microsoft.com/office/drawing/2014/main" xmlns="" id="{9FB15E4F-8290-46EA-9B08-45E60919B753}"/>
+                <a16:creationId xmlns="" xmlns:a16="http://schemas.microsoft.com/office/drawing/2014/main" id="{9FB15E4F-8290-46EA-9B08-45E60919B753}"/>
               </a:ext>
             </a:extLst>
           </p:cNvPr>
@@ -7286,7 +7387,7 @@
           <p:cNvPr id="7" name="TextBox 6">
             <a:extLst>
               <a:ext uri="{FF2B5EF4-FFF2-40B4-BE49-F238E27FC236}">
-                <a16:creationId xmlns:a16="http://schemas.microsoft.com/office/drawing/2014/main" xmlns="" id="{D2615DDC-AB09-4C7E-BBE5-CDEDA72C46DE}"/>
+                <a16:creationId xmlns="" xmlns:a16="http://schemas.microsoft.com/office/drawing/2014/main" id="{D2615DDC-AB09-4C7E-BBE5-CDEDA72C46DE}"/>
               </a:ext>
             </a:extLst>
           </p:cNvPr>
@@ -7321,7 +7422,7 @@
           <p:cNvPr id="8" name="TextBox 7">
             <a:extLst>
               <a:ext uri="{FF2B5EF4-FFF2-40B4-BE49-F238E27FC236}">
-                <a16:creationId xmlns:a16="http://schemas.microsoft.com/office/drawing/2014/main" xmlns="" id="{12E80C3E-5E93-4297-9888-6C8D121E083B}"/>
+                <a16:creationId xmlns="" xmlns:a16="http://schemas.microsoft.com/office/drawing/2014/main" id="{12E80C3E-5E93-4297-9888-6C8D121E083B}"/>
               </a:ext>
             </a:extLst>
           </p:cNvPr>
@@ -7356,7 +7457,7 @@
           <p:cNvPr id="9" name="TextBox 8">
             <a:extLst>
               <a:ext uri="{FF2B5EF4-FFF2-40B4-BE49-F238E27FC236}">
-                <a16:creationId xmlns:a16="http://schemas.microsoft.com/office/drawing/2014/main" xmlns="" id="{600AC2B5-B5A1-4FAD-BB19-951A84928AE3}"/>
+                <a16:creationId xmlns="" xmlns:a16="http://schemas.microsoft.com/office/drawing/2014/main" id="{600AC2B5-B5A1-4FAD-BB19-951A84928AE3}"/>
               </a:ext>
             </a:extLst>
           </p:cNvPr>
@@ -7391,7 +7492,7 @@
           <p:cNvPr id="10" name="TextBox 9">
             <a:extLst>
               <a:ext uri="{FF2B5EF4-FFF2-40B4-BE49-F238E27FC236}">
-                <a16:creationId xmlns:a16="http://schemas.microsoft.com/office/drawing/2014/main" xmlns="" id="{948F0D49-8E99-4100-9AEA-9DE7A1B9BAEF}"/>
+                <a16:creationId xmlns="" xmlns:a16="http://schemas.microsoft.com/office/drawing/2014/main" id="{948F0D49-8E99-4100-9AEA-9DE7A1B9BAEF}"/>
               </a:ext>
             </a:extLst>
           </p:cNvPr>
@@ -7426,7 +7527,7 @@
           <p:cNvPr id="11" name="TextBox 10">
             <a:extLst>
               <a:ext uri="{FF2B5EF4-FFF2-40B4-BE49-F238E27FC236}">
-                <a16:creationId xmlns:a16="http://schemas.microsoft.com/office/drawing/2014/main" xmlns="" id="{E80163B0-C59F-458E-A89B-3144A6D57834}"/>
+                <a16:creationId xmlns="" xmlns:a16="http://schemas.microsoft.com/office/drawing/2014/main" id="{E80163B0-C59F-458E-A89B-3144A6D57834}"/>
               </a:ext>
             </a:extLst>
           </p:cNvPr>
@@ -7461,7 +7562,7 @@
           <p:cNvPr id="21" name="TextBox 20">
             <a:extLst>
               <a:ext uri="{FF2B5EF4-FFF2-40B4-BE49-F238E27FC236}">
-                <a16:creationId xmlns:a16="http://schemas.microsoft.com/office/drawing/2014/main" xmlns="" id="{2E01C5EE-D343-4907-83AC-F0A9AB2C536E}"/>
+                <a16:creationId xmlns="" xmlns:a16="http://schemas.microsoft.com/office/drawing/2014/main" id="{2E01C5EE-D343-4907-83AC-F0A9AB2C536E}"/>
               </a:ext>
             </a:extLst>
           </p:cNvPr>
@@ -7496,7 +7597,7 @@
           <p:cNvPr id="22" name="TextBox 21">
             <a:extLst>
               <a:ext uri="{FF2B5EF4-FFF2-40B4-BE49-F238E27FC236}">
-                <a16:creationId xmlns:a16="http://schemas.microsoft.com/office/drawing/2014/main" xmlns="" id="{12CDFFDE-3CA4-470E-A607-A8A6D1E242D4}"/>
+                <a16:creationId xmlns="" xmlns:a16="http://schemas.microsoft.com/office/drawing/2014/main" id="{12CDFFDE-3CA4-470E-A607-A8A6D1E242D4}"/>
               </a:ext>
             </a:extLst>
           </p:cNvPr>
@@ -7531,7 +7632,7 @@
           <p:cNvPr id="23" name="TextBox 22">
             <a:extLst>
               <a:ext uri="{FF2B5EF4-FFF2-40B4-BE49-F238E27FC236}">
-                <a16:creationId xmlns:a16="http://schemas.microsoft.com/office/drawing/2014/main" xmlns="" id="{50939BFE-53FC-49BD-AA5F-611936FDAC49}"/>
+                <a16:creationId xmlns="" xmlns:a16="http://schemas.microsoft.com/office/drawing/2014/main" id="{50939BFE-53FC-49BD-AA5F-611936FDAC49}"/>
               </a:ext>
             </a:extLst>
           </p:cNvPr>
@@ -7566,7 +7667,7 @@
           <p:cNvPr id="29" name="Connector: Elbow 28">
             <a:extLst>
               <a:ext uri="{FF2B5EF4-FFF2-40B4-BE49-F238E27FC236}">
-                <a16:creationId xmlns:a16="http://schemas.microsoft.com/office/drawing/2014/main" xmlns="" id="{B6F918EE-54E3-4177-8DEB-A8D26A72271D}"/>
+                <a16:creationId xmlns="" xmlns:a16="http://schemas.microsoft.com/office/drawing/2014/main" id="{B6F918EE-54E3-4177-8DEB-A8D26A72271D}"/>
               </a:ext>
             </a:extLst>
           </p:cNvPr>
@@ -7613,7 +7714,7 @@
           <p:cNvPr id="31" name="Connector: Elbow 30">
             <a:extLst>
               <a:ext uri="{FF2B5EF4-FFF2-40B4-BE49-F238E27FC236}">
-                <a16:creationId xmlns:a16="http://schemas.microsoft.com/office/drawing/2014/main" xmlns="" id="{B0B37A80-0E28-45F4-AA86-2ABB1113E7B0}"/>
+                <a16:creationId xmlns="" xmlns:a16="http://schemas.microsoft.com/office/drawing/2014/main" id="{B0B37A80-0E28-45F4-AA86-2ABB1113E7B0}"/>
               </a:ext>
             </a:extLst>
           </p:cNvPr>
@@ -7660,7 +7761,7 @@
           <p:cNvPr id="33" name="Connector: Elbow 32">
             <a:extLst>
               <a:ext uri="{FF2B5EF4-FFF2-40B4-BE49-F238E27FC236}">
-                <a16:creationId xmlns:a16="http://schemas.microsoft.com/office/drawing/2014/main" xmlns="" id="{23387639-8F6E-4651-9F49-91E358409498}"/>
+                <a16:creationId xmlns="" xmlns:a16="http://schemas.microsoft.com/office/drawing/2014/main" id="{23387639-8F6E-4651-9F49-91E358409498}"/>
               </a:ext>
             </a:extLst>
           </p:cNvPr>
@@ -7707,7 +7808,7 @@
           <p:cNvPr id="35" name="Connector: Elbow 34">
             <a:extLst>
               <a:ext uri="{FF2B5EF4-FFF2-40B4-BE49-F238E27FC236}">
-                <a16:creationId xmlns:a16="http://schemas.microsoft.com/office/drawing/2014/main" xmlns="" id="{4E8C07D6-E4D2-43A7-9C15-BA59D4549DDD}"/>
+                <a16:creationId xmlns="" xmlns:a16="http://schemas.microsoft.com/office/drawing/2014/main" id="{4E8C07D6-E4D2-43A7-9C15-BA59D4549DDD}"/>
               </a:ext>
             </a:extLst>
           </p:cNvPr>
@@ -7751,7 +7852,7 @@
           <p:cNvPr id="37" name="Connector: Elbow 36">
             <a:extLst>
               <a:ext uri="{FF2B5EF4-FFF2-40B4-BE49-F238E27FC236}">
-                <a16:creationId xmlns:a16="http://schemas.microsoft.com/office/drawing/2014/main" xmlns="" id="{3CA92AD9-01E5-456F-B6E2-019374648DAD}"/>
+                <a16:creationId xmlns="" xmlns:a16="http://schemas.microsoft.com/office/drawing/2014/main" id="{3CA92AD9-01E5-456F-B6E2-019374648DAD}"/>
               </a:ext>
             </a:extLst>
           </p:cNvPr>
@@ -7799,7 +7900,7 @@
           <p:cNvPr id="39" name="Connector: Elbow 38">
             <a:extLst>
               <a:ext uri="{FF2B5EF4-FFF2-40B4-BE49-F238E27FC236}">
-                <a16:creationId xmlns:a16="http://schemas.microsoft.com/office/drawing/2014/main" xmlns="" id="{141DF2F9-DDD5-445C-ABB2-30CAA47BE158}"/>
+                <a16:creationId xmlns="" xmlns:a16="http://schemas.microsoft.com/office/drawing/2014/main" id="{141DF2F9-DDD5-445C-ABB2-30CAA47BE158}"/>
               </a:ext>
             </a:extLst>
           </p:cNvPr>
@@ -7847,7 +7948,7 @@
           <p:cNvPr id="42" name="Connector: Elbow 41">
             <a:extLst>
               <a:ext uri="{FF2B5EF4-FFF2-40B4-BE49-F238E27FC236}">
-                <a16:creationId xmlns:a16="http://schemas.microsoft.com/office/drawing/2014/main" xmlns="" id="{E42DB429-ACFF-441B-B9B4-06E6CB4892C3}"/>
+                <a16:creationId xmlns="" xmlns:a16="http://schemas.microsoft.com/office/drawing/2014/main" id="{E42DB429-ACFF-441B-B9B4-06E6CB4892C3}"/>
               </a:ext>
             </a:extLst>
           </p:cNvPr>
@@ -7968,7 +8069,7 @@
           <p:cNvPr id="2" name="Title 1">
             <a:extLst>
               <a:ext uri="{FF2B5EF4-FFF2-40B4-BE49-F238E27FC236}">
-                <a16:creationId xmlns:a16="http://schemas.microsoft.com/office/drawing/2014/main" xmlns="" id="{272F0863-34AC-422C-AD4A-935E507E27F5}"/>
+                <a16:creationId xmlns="" xmlns:a16="http://schemas.microsoft.com/office/drawing/2014/main" id="{272F0863-34AC-422C-AD4A-935E507E27F5}"/>
               </a:ext>
             </a:extLst>
           </p:cNvPr>
@@ -7996,7 +8097,7 @@
           <p:cNvPr id="4" name="TextBox 3">
             <a:extLst>
               <a:ext uri="{FF2B5EF4-FFF2-40B4-BE49-F238E27FC236}">
-                <a16:creationId xmlns:a16="http://schemas.microsoft.com/office/drawing/2014/main" xmlns="" id="{1FB478D7-B389-4280-86BB-5AC6C576D273}"/>
+                <a16:creationId xmlns="" xmlns:a16="http://schemas.microsoft.com/office/drawing/2014/main" id="{1FB478D7-B389-4280-86BB-5AC6C576D273}"/>
               </a:ext>
             </a:extLst>
           </p:cNvPr>
@@ -8031,7 +8132,7 @@
           <p:cNvPr id="5" name="TextBox 4">
             <a:extLst>
               <a:ext uri="{FF2B5EF4-FFF2-40B4-BE49-F238E27FC236}">
-                <a16:creationId xmlns:a16="http://schemas.microsoft.com/office/drawing/2014/main" xmlns="" id="{1A166BA9-E4BA-4E03-B3A1-2F8F1953074A}"/>
+                <a16:creationId xmlns="" xmlns:a16="http://schemas.microsoft.com/office/drawing/2014/main" id="{1A166BA9-E4BA-4E03-B3A1-2F8F1953074A}"/>
               </a:ext>
             </a:extLst>
           </p:cNvPr>
@@ -8174,7 +8275,7 @@
           <p:cNvPr id="6" name="TextBox 5">
             <a:extLst>
               <a:ext uri="{FF2B5EF4-FFF2-40B4-BE49-F238E27FC236}">
-                <a16:creationId xmlns:a16="http://schemas.microsoft.com/office/drawing/2014/main" xmlns="" id="{9FB15E4F-8290-46EA-9B08-45E60919B753}"/>
+                <a16:creationId xmlns="" xmlns:a16="http://schemas.microsoft.com/office/drawing/2014/main" id="{9FB15E4F-8290-46EA-9B08-45E60919B753}"/>
               </a:ext>
             </a:extLst>
           </p:cNvPr>
@@ -8209,7 +8310,7 @@
           <p:cNvPr id="7" name="TextBox 6">
             <a:extLst>
               <a:ext uri="{FF2B5EF4-FFF2-40B4-BE49-F238E27FC236}">
-                <a16:creationId xmlns:a16="http://schemas.microsoft.com/office/drawing/2014/main" xmlns="" id="{D2615DDC-AB09-4C7E-BBE5-CDEDA72C46DE}"/>
+                <a16:creationId xmlns="" xmlns:a16="http://schemas.microsoft.com/office/drawing/2014/main" id="{D2615DDC-AB09-4C7E-BBE5-CDEDA72C46DE}"/>
               </a:ext>
             </a:extLst>
           </p:cNvPr>
@@ -8244,7 +8345,7 @@
           <p:cNvPr id="8" name="TextBox 7">
             <a:extLst>
               <a:ext uri="{FF2B5EF4-FFF2-40B4-BE49-F238E27FC236}">
-                <a16:creationId xmlns:a16="http://schemas.microsoft.com/office/drawing/2014/main" xmlns="" id="{12E80C3E-5E93-4297-9888-6C8D121E083B}"/>
+                <a16:creationId xmlns="" xmlns:a16="http://schemas.microsoft.com/office/drawing/2014/main" id="{12E80C3E-5E93-4297-9888-6C8D121E083B}"/>
               </a:ext>
             </a:extLst>
           </p:cNvPr>
@@ -8279,7 +8380,7 @@
           <p:cNvPr id="9" name="TextBox 8">
             <a:extLst>
               <a:ext uri="{FF2B5EF4-FFF2-40B4-BE49-F238E27FC236}">
-                <a16:creationId xmlns:a16="http://schemas.microsoft.com/office/drawing/2014/main" xmlns="" id="{600AC2B5-B5A1-4FAD-BB19-951A84928AE3}"/>
+                <a16:creationId xmlns="" xmlns:a16="http://schemas.microsoft.com/office/drawing/2014/main" id="{600AC2B5-B5A1-4FAD-BB19-951A84928AE3}"/>
               </a:ext>
             </a:extLst>
           </p:cNvPr>
@@ -8314,7 +8415,7 @@
           <p:cNvPr id="10" name="TextBox 9">
             <a:extLst>
               <a:ext uri="{FF2B5EF4-FFF2-40B4-BE49-F238E27FC236}">
-                <a16:creationId xmlns:a16="http://schemas.microsoft.com/office/drawing/2014/main" xmlns="" id="{948F0D49-8E99-4100-9AEA-9DE7A1B9BAEF}"/>
+                <a16:creationId xmlns="" xmlns:a16="http://schemas.microsoft.com/office/drawing/2014/main" id="{948F0D49-8E99-4100-9AEA-9DE7A1B9BAEF}"/>
               </a:ext>
             </a:extLst>
           </p:cNvPr>
@@ -8349,7 +8450,7 @@
           <p:cNvPr id="11" name="TextBox 10">
             <a:extLst>
               <a:ext uri="{FF2B5EF4-FFF2-40B4-BE49-F238E27FC236}">
-                <a16:creationId xmlns:a16="http://schemas.microsoft.com/office/drawing/2014/main" xmlns="" id="{E80163B0-C59F-458E-A89B-3144A6D57834}"/>
+                <a16:creationId xmlns="" xmlns:a16="http://schemas.microsoft.com/office/drawing/2014/main" id="{E80163B0-C59F-458E-A89B-3144A6D57834}"/>
               </a:ext>
             </a:extLst>
           </p:cNvPr>
@@ -8384,7 +8485,7 @@
           <p:cNvPr id="21" name="TextBox 20">
             <a:extLst>
               <a:ext uri="{FF2B5EF4-FFF2-40B4-BE49-F238E27FC236}">
-                <a16:creationId xmlns:a16="http://schemas.microsoft.com/office/drawing/2014/main" xmlns="" id="{2E01C5EE-D343-4907-83AC-F0A9AB2C536E}"/>
+                <a16:creationId xmlns="" xmlns:a16="http://schemas.microsoft.com/office/drawing/2014/main" id="{2E01C5EE-D343-4907-83AC-F0A9AB2C536E}"/>
               </a:ext>
             </a:extLst>
           </p:cNvPr>
@@ -8419,7 +8520,7 @@
           <p:cNvPr id="22" name="TextBox 21">
             <a:extLst>
               <a:ext uri="{FF2B5EF4-FFF2-40B4-BE49-F238E27FC236}">
-                <a16:creationId xmlns:a16="http://schemas.microsoft.com/office/drawing/2014/main" xmlns="" id="{12CDFFDE-3CA4-470E-A607-A8A6D1E242D4}"/>
+                <a16:creationId xmlns="" xmlns:a16="http://schemas.microsoft.com/office/drawing/2014/main" id="{12CDFFDE-3CA4-470E-A607-A8A6D1E242D4}"/>
               </a:ext>
             </a:extLst>
           </p:cNvPr>
@@ -8454,7 +8555,7 @@
           <p:cNvPr id="23" name="TextBox 22">
             <a:extLst>
               <a:ext uri="{FF2B5EF4-FFF2-40B4-BE49-F238E27FC236}">
-                <a16:creationId xmlns:a16="http://schemas.microsoft.com/office/drawing/2014/main" xmlns="" id="{50939BFE-53FC-49BD-AA5F-611936FDAC49}"/>
+                <a16:creationId xmlns="" xmlns:a16="http://schemas.microsoft.com/office/drawing/2014/main" id="{50939BFE-53FC-49BD-AA5F-611936FDAC49}"/>
               </a:ext>
             </a:extLst>
           </p:cNvPr>
@@ -8489,7 +8590,7 @@
           <p:cNvPr id="29" name="Connector: Elbow 28">
             <a:extLst>
               <a:ext uri="{FF2B5EF4-FFF2-40B4-BE49-F238E27FC236}">
-                <a16:creationId xmlns:a16="http://schemas.microsoft.com/office/drawing/2014/main" xmlns="" id="{B6F918EE-54E3-4177-8DEB-A8D26A72271D}"/>
+                <a16:creationId xmlns="" xmlns:a16="http://schemas.microsoft.com/office/drawing/2014/main" id="{B6F918EE-54E3-4177-8DEB-A8D26A72271D}"/>
               </a:ext>
             </a:extLst>
           </p:cNvPr>
@@ -8536,7 +8637,7 @@
           <p:cNvPr id="31" name="Connector: Elbow 30">
             <a:extLst>
               <a:ext uri="{FF2B5EF4-FFF2-40B4-BE49-F238E27FC236}">
-                <a16:creationId xmlns:a16="http://schemas.microsoft.com/office/drawing/2014/main" xmlns="" id="{B0B37A80-0E28-45F4-AA86-2ABB1113E7B0}"/>
+                <a16:creationId xmlns="" xmlns:a16="http://schemas.microsoft.com/office/drawing/2014/main" id="{B0B37A80-0E28-45F4-AA86-2ABB1113E7B0}"/>
               </a:ext>
             </a:extLst>
           </p:cNvPr>
@@ -8583,7 +8684,7 @@
           <p:cNvPr id="33" name="Connector: Elbow 32">
             <a:extLst>
               <a:ext uri="{FF2B5EF4-FFF2-40B4-BE49-F238E27FC236}">
-                <a16:creationId xmlns:a16="http://schemas.microsoft.com/office/drawing/2014/main" xmlns="" id="{23387639-8F6E-4651-9F49-91E358409498}"/>
+                <a16:creationId xmlns="" xmlns:a16="http://schemas.microsoft.com/office/drawing/2014/main" id="{23387639-8F6E-4651-9F49-91E358409498}"/>
               </a:ext>
             </a:extLst>
           </p:cNvPr>
@@ -8630,7 +8731,7 @@
           <p:cNvPr id="35" name="Connector: Elbow 34">
             <a:extLst>
               <a:ext uri="{FF2B5EF4-FFF2-40B4-BE49-F238E27FC236}">
-                <a16:creationId xmlns:a16="http://schemas.microsoft.com/office/drawing/2014/main" xmlns="" id="{4E8C07D6-E4D2-43A7-9C15-BA59D4549DDD}"/>
+                <a16:creationId xmlns="" xmlns:a16="http://schemas.microsoft.com/office/drawing/2014/main" id="{4E8C07D6-E4D2-43A7-9C15-BA59D4549DDD}"/>
               </a:ext>
             </a:extLst>
           </p:cNvPr>
@@ -8677,7 +8778,7 @@
           <p:cNvPr id="37" name="Connector: Elbow 36">
             <a:extLst>
               <a:ext uri="{FF2B5EF4-FFF2-40B4-BE49-F238E27FC236}">
-                <a16:creationId xmlns:a16="http://schemas.microsoft.com/office/drawing/2014/main" xmlns="" id="{3CA92AD9-01E5-456F-B6E2-019374648DAD}"/>
+                <a16:creationId xmlns="" xmlns:a16="http://schemas.microsoft.com/office/drawing/2014/main" id="{3CA92AD9-01E5-456F-B6E2-019374648DAD}"/>
               </a:ext>
             </a:extLst>
           </p:cNvPr>
@@ -8725,7 +8826,7 @@
           <p:cNvPr id="39" name="Connector: Elbow 38">
             <a:extLst>
               <a:ext uri="{FF2B5EF4-FFF2-40B4-BE49-F238E27FC236}">
-                <a16:creationId xmlns:a16="http://schemas.microsoft.com/office/drawing/2014/main" xmlns="" id="{141DF2F9-DDD5-445C-ABB2-30CAA47BE158}"/>
+                <a16:creationId xmlns="" xmlns:a16="http://schemas.microsoft.com/office/drawing/2014/main" id="{141DF2F9-DDD5-445C-ABB2-30CAA47BE158}"/>
               </a:ext>
             </a:extLst>
           </p:cNvPr>
@@ -8773,7 +8874,7 @@
           <p:cNvPr id="42" name="Connector: Elbow 41">
             <a:extLst>
               <a:ext uri="{FF2B5EF4-FFF2-40B4-BE49-F238E27FC236}">
-                <a16:creationId xmlns:a16="http://schemas.microsoft.com/office/drawing/2014/main" xmlns="" id="{E42DB429-ACFF-441B-B9B4-06E6CB4892C3}"/>
+                <a16:creationId xmlns="" xmlns:a16="http://schemas.microsoft.com/office/drawing/2014/main" id="{E42DB429-ACFF-441B-B9B4-06E6CB4892C3}"/>
               </a:ext>
             </a:extLst>
           </p:cNvPr>
@@ -8821,7 +8922,7 @@
           <p:cNvPr id="45" name="Connector: Elbow 44">
             <a:extLst>
               <a:ext uri="{FF2B5EF4-FFF2-40B4-BE49-F238E27FC236}">
-                <a16:creationId xmlns:a16="http://schemas.microsoft.com/office/drawing/2014/main" xmlns="" id="{DF641FE3-2D45-4D42-8ABE-9D028DA73919}"/>
+                <a16:creationId xmlns="" xmlns:a16="http://schemas.microsoft.com/office/drawing/2014/main" id="{DF641FE3-2D45-4D42-8ABE-9D028DA73919}"/>
               </a:ext>
             </a:extLst>
           </p:cNvPr>
@@ -8866,7 +8967,7 @@
           <p:cNvPr id="48" name="Connector: Elbow 47">
             <a:extLst>
               <a:ext uri="{FF2B5EF4-FFF2-40B4-BE49-F238E27FC236}">
-                <a16:creationId xmlns:a16="http://schemas.microsoft.com/office/drawing/2014/main" xmlns="" id="{1313A731-7E2F-4956-9335-415E879EBC06}"/>
+                <a16:creationId xmlns="" xmlns:a16="http://schemas.microsoft.com/office/drawing/2014/main" id="{1313A731-7E2F-4956-9335-415E879EBC06}"/>
               </a:ext>
             </a:extLst>
           </p:cNvPr>
@@ -8906,79 +9007,6 @@
           </a:fontRef>
         </p:style>
       </p:cxnSp>
-      <p:sp>
-        <p:nvSpPr>
-          <p:cNvPr id="52" name="TextBox 51">
-            <a:extLst>
-              <a:ext uri="{FF2B5EF4-FFF2-40B4-BE49-F238E27FC236}">
-                <a16:creationId xmlns:a16="http://schemas.microsoft.com/office/drawing/2014/main" xmlns="" id="{12DAD4D3-678E-41C2-A4ED-46209F4C5436}"/>
-              </a:ext>
-            </a:extLst>
-          </p:cNvPr>
-          <p:cNvSpPr txBox="1"/>
-          <p:nvPr/>
-        </p:nvSpPr>
-        <p:spPr>
-          <a:xfrm>
-            <a:off x="8045669" y="2054772"/>
-            <a:ext cx="4888389" cy="369332"/>
-          </a:xfrm>
-          <a:prstGeom prst="rect">
-            <a:avLst/>
-          </a:prstGeom>
-          <a:noFill/>
-        </p:spPr>
-        <p:txBody>
-          <a:bodyPr wrap="none" rtlCol="0">
-            <a:spAutoFit/>
-          </a:bodyPr>
-          <a:lstStyle/>
-          <a:p>
-            <a:r>
-              <a:rPr lang="en-US" dirty="0">
-                <a:hlinkClick r:id="rId2"/>
-              </a:rPr>
-              <a:t>https://www.youtube.com/watch?v=PVShkZgXznc</a:t>
-            </a:r>
-            <a:endParaRPr lang="en-US" dirty="0"/>
-          </a:p>
-        </p:txBody>
-      </p:sp>
-      <p:sp>
-        <p:nvSpPr>
-          <p:cNvPr id="53" name="TextBox 52">
-            <a:extLst>
-              <a:ext uri="{FF2B5EF4-FFF2-40B4-BE49-F238E27FC236}">
-                <a16:creationId xmlns:a16="http://schemas.microsoft.com/office/drawing/2014/main" xmlns="" id="{375DF8E9-CC7A-4B47-AF7F-BF5FD47FEC14}"/>
-              </a:ext>
-            </a:extLst>
-          </p:cNvPr>
-          <p:cNvSpPr txBox="1"/>
-          <p:nvPr/>
-        </p:nvSpPr>
-        <p:spPr>
-          <a:xfrm>
-            <a:off x="6858000" y="1752600"/>
-            <a:ext cx="715260" cy="369332"/>
-          </a:xfrm>
-          <a:prstGeom prst="rect">
-            <a:avLst/>
-          </a:prstGeom>
-          <a:noFill/>
-        </p:spPr>
-        <p:txBody>
-          <a:bodyPr wrap="none" rtlCol="0">
-            <a:spAutoFit/>
-          </a:bodyPr>
-          <a:lstStyle/>
-          <a:p>
-            <a:r>
-              <a:rPr lang="en-US" dirty="0"/>
-              <a:t>12:15</a:t>
-            </a:r>
-          </a:p>
-        </p:txBody>
-      </p:sp>
       <p:sp>
         <p:nvSpPr>
           <p:cNvPr id="27" name="Rectangle 26"/>
@@ -9069,7 +9097,7 @@
           <a:p>
             <a:fld id="{6700A58B-DD98-43D0-B791-721480A02982}" type="datetime1">
               <a:rPr lang="en-US" smtClean="0"/>
-              <a:t>6/7/2019</a:t>
+              <a:t>8/30/2019</a:t>
             </a:fld>
             <a:endParaRPr lang="en-US"/>
           </a:p>
@@ -9302,7 +9330,7 @@
             <a:fld id="{6700A58B-DD98-43D0-B791-721480A02982}" type="datetime1">
               <a:rPr lang="en-US" smtClean="0"/>
               <a:pPr/>
-              <a:t>6/7/2019</a:t>
+              <a:t>8/30/2019</a:t>
             </a:fld>
             <a:endParaRPr lang="en-US"/>
           </a:p>
@@ -9545,7 +9573,7 @@
           <a:p>
             <a:fld id="{6700A58B-DD98-43D0-B791-721480A02982}" type="datetime1">
               <a:rPr lang="en-US" smtClean="0"/>
-              <a:t>6/7/2019</a:t>
+              <a:t>8/30/2019</a:t>
             </a:fld>
             <a:endParaRPr lang="en-US"/>
           </a:p>
@@ -9746,7 +9774,7 @@
           <a:p>
             <a:fld id="{6700A58B-DD98-43D0-B791-721480A02982}" type="datetime1">
               <a:rPr lang="en-US" smtClean="0"/>
-              <a:t>6/7/2019</a:t>
+              <a:t>8/30/2019</a:t>
             </a:fld>
             <a:endParaRPr lang="en-US"/>
           </a:p>
@@ -9926,7 +9954,11 @@
           </p:cNvGraphicFramePr>
           <p:nvPr>
             <p:ph idx="1"/>
-            <p:extLst/>
+            <p:extLst>
+              <p:ext uri="{D42A27DB-BD31-4B8C-83A1-F6EECF244321}">
+                <p14:modId xmlns:p14="http://schemas.microsoft.com/office/powerpoint/2010/main" val="2834904275"/>
+              </p:ext>
+            </p:extLst>
           </p:nvPr>
         </p:nvGraphicFramePr>
         <p:xfrm>
@@ -9943,21 +9975,21 @@
                 <a:gridCol w="1238445">
                   <a:extLst>
                     <a:ext uri="{9D8B030D-6E8A-4147-A177-3AD203B41FA5}">
-                      <a16:colId xmlns="" xmlns:a16="http://schemas.microsoft.com/office/drawing/2014/main" val="20000"/>
+                      <a16:colId xmlns:a16="http://schemas.microsoft.com/office/drawing/2014/main" xmlns="" val="20000"/>
                     </a:ext>
                   </a:extLst>
                 </a:gridCol>
                 <a:gridCol w="858274">
                   <a:extLst>
                     <a:ext uri="{9D8B030D-6E8A-4147-A177-3AD203B41FA5}">
-                      <a16:colId xmlns="" xmlns:a16="http://schemas.microsoft.com/office/drawing/2014/main" val="20001"/>
+                      <a16:colId xmlns:a16="http://schemas.microsoft.com/office/drawing/2014/main" xmlns="" val="20001"/>
                     </a:ext>
                   </a:extLst>
                 </a:gridCol>
                 <a:gridCol w="5790787">
                   <a:extLst>
                     <a:ext uri="{9D8B030D-6E8A-4147-A177-3AD203B41FA5}">
-                      <a16:colId xmlns="" xmlns:a16="http://schemas.microsoft.com/office/drawing/2014/main" val="20002"/>
+                      <a16:colId xmlns:a16="http://schemas.microsoft.com/office/drawing/2014/main" xmlns="" val="20002"/>
                     </a:ext>
                   </a:extLst>
                 </a:gridCol>
@@ -10113,27 +10145,7 @@
                           <a:effectLst/>
                           <a:latin typeface="Calibri" panose="020F0502020204030204" pitchFamily="34" charset="0"/>
                         </a:rPr>
-                        <a:t>Friday- </a:t>
-                      </a:r>
-                      <a:r>
-                        <a:rPr lang="en-US" sz="2400" b="0" i="0" u="none" strike="noStrike" dirty="0">
-                          <a:solidFill>
-                            <a:schemeClr val="bg1"/>
-                          </a:solidFill>
-                          <a:effectLst/>
-                          <a:latin typeface="Calibri" panose="020F0502020204030204" pitchFamily="34" charset="0"/>
-                        </a:rPr>
-                        <a:t>June </a:t>
-                      </a:r>
-                      <a:r>
-                        <a:rPr lang="en-US" sz="2400" b="0" i="0" u="none" strike="noStrike" dirty="0" smtClean="0">
-                          <a:solidFill>
-                            <a:schemeClr val="bg1"/>
-                          </a:solidFill>
-                          <a:effectLst/>
-                          <a:latin typeface="Calibri" panose="020F0502020204030204" pitchFamily="34" charset="0"/>
-                        </a:rPr>
-                        <a:t>21</a:t>
+                        <a:t>Friday-</a:t>
                       </a:r>
                       <a:endParaRPr lang="en-US" sz="2400" b="0" i="0" u="none" strike="noStrike" dirty="0">
                         <a:solidFill>
@@ -10196,7 +10208,7 @@
                 </a:tc>
                 <a:extLst>
                   <a:ext uri="{0D108BD9-81ED-4DB2-BD59-A6C34878D82A}">
-                    <a16:rowId xmlns="" xmlns:a16="http://schemas.microsoft.com/office/drawing/2014/main" val="10000"/>
+                    <a16:rowId xmlns:a16="http://schemas.microsoft.com/office/drawing/2014/main" xmlns="" val="10000"/>
                   </a:ext>
                 </a:extLst>
               </a:tr>
@@ -10293,7 +10305,7 @@
                 </a:tc>
                 <a:extLst>
                   <a:ext uri="{0D108BD9-81ED-4DB2-BD59-A6C34878D82A}">
-                    <a16:rowId xmlns="" xmlns:a16="http://schemas.microsoft.com/office/drawing/2014/main" val="10001"/>
+                    <a16:rowId xmlns:a16="http://schemas.microsoft.com/office/drawing/2014/main" xmlns="" val="10001"/>
                   </a:ext>
                 </a:extLst>
               </a:tr>
@@ -10374,7 +10386,7 @@
                 </a:tc>
                 <a:extLst>
                   <a:ext uri="{0D108BD9-81ED-4DB2-BD59-A6C34878D82A}">
-                    <a16:rowId xmlns="" xmlns:a16="http://schemas.microsoft.com/office/drawing/2014/main" val="10002"/>
+                    <a16:rowId xmlns:a16="http://schemas.microsoft.com/office/drawing/2014/main" xmlns="" val="10002"/>
                   </a:ext>
                 </a:extLst>
               </a:tr>
@@ -10462,7 +10474,7 @@
                 </a:tc>
                 <a:extLst>
                   <a:ext uri="{0D108BD9-81ED-4DB2-BD59-A6C34878D82A}">
-                    <a16:rowId xmlns="" xmlns:a16="http://schemas.microsoft.com/office/drawing/2014/main" val="10003"/>
+                    <a16:rowId xmlns:a16="http://schemas.microsoft.com/office/drawing/2014/main" xmlns="" val="10003"/>
                   </a:ext>
                 </a:extLst>
               </a:tr>
@@ -10550,7 +10562,7 @@
                 </a:tc>
                 <a:extLst>
                   <a:ext uri="{0D108BD9-81ED-4DB2-BD59-A6C34878D82A}">
-                    <a16:rowId xmlns="" xmlns:a16="http://schemas.microsoft.com/office/drawing/2014/main" val="10004"/>
+                    <a16:rowId xmlns:a16="http://schemas.microsoft.com/office/drawing/2014/main" xmlns="" val="10004"/>
                   </a:ext>
                 </a:extLst>
               </a:tr>
@@ -10648,7 +10660,7 @@
                 </a:tc>
                 <a:extLst>
                   <a:ext uri="{0D108BD9-81ED-4DB2-BD59-A6C34878D82A}">
-                    <a16:rowId xmlns="" xmlns:a16="http://schemas.microsoft.com/office/drawing/2014/main" val="10005"/>
+                    <a16:rowId xmlns:a16="http://schemas.microsoft.com/office/drawing/2014/main" xmlns="" val="10005"/>
                   </a:ext>
                 </a:extLst>
               </a:tr>
@@ -10736,7 +10748,7 @@
                 </a:tc>
                 <a:extLst>
                   <a:ext uri="{0D108BD9-81ED-4DB2-BD59-A6C34878D82A}">
-                    <a16:rowId xmlns="" xmlns:a16="http://schemas.microsoft.com/office/drawing/2014/main" val="10006"/>
+                    <a16:rowId xmlns:a16="http://schemas.microsoft.com/office/drawing/2014/main" xmlns="" val="10006"/>
                   </a:ext>
                 </a:extLst>
               </a:tr>
@@ -10820,7 +10832,7 @@
                 </a:tc>
                 <a:extLst>
                   <a:ext uri="{0D108BD9-81ED-4DB2-BD59-A6C34878D82A}">
-                    <a16:rowId xmlns="" xmlns:a16="http://schemas.microsoft.com/office/drawing/2014/main" val="10008"/>
+                    <a16:rowId xmlns:a16="http://schemas.microsoft.com/office/drawing/2014/main" xmlns="" val="10008"/>
                   </a:ext>
                 </a:extLst>
               </a:tr>
@@ -10846,7 +10858,7 @@
             <a:fld id="{9B19E99B-5349-415A-8E56-8E989211A366}" type="datetime1">
               <a:rPr lang="en-US" smtClean="0"/>
               <a:pPr/>
-              <a:t>6/7/2019</a:t>
+              <a:t>8/30/2019</a:t>
             </a:fld>
             <a:endParaRPr lang="en-US"/>
           </a:p>
@@ -10954,7 +10966,7 @@
           <a:p>
             <a:fld id="{6700A58B-DD98-43D0-B791-721480A02982}" type="datetime1">
               <a:rPr lang="en-US" smtClean="0"/>
-              <a:t>6/7/2019</a:t>
+              <a:t>8/30/2019</a:t>
             </a:fld>
             <a:endParaRPr lang="en-US"/>
           </a:p>
@@ -11172,7 +11184,7 @@
           <a:p>
             <a:fld id="{6700A58B-DD98-43D0-B791-721480A02982}" type="datetime1">
               <a:rPr lang="en-US" smtClean="0"/>
-              <a:t>6/7/2019</a:t>
+              <a:t>8/30/2019</a:t>
             </a:fld>
             <a:endParaRPr lang="en-US"/>
           </a:p>
@@ -11639,7 +11651,7 @@
           <a:p>
             <a:fld id="{6700A58B-DD98-43D0-B791-721480A02982}" type="datetime1">
               <a:rPr lang="en-US" smtClean="0"/>
-              <a:t>6/7/2019</a:t>
+              <a:t>8/30/2019</a:t>
             </a:fld>
             <a:endParaRPr lang="en-US"/>
           </a:p>
@@ -11893,7 +11905,7 @@
           <a:p>
             <a:fld id="{6700A58B-DD98-43D0-B791-721480A02982}" type="datetime1">
               <a:rPr lang="en-US" smtClean="0"/>
-              <a:t>6/7/2019</a:t>
+              <a:t>8/30/2019</a:t>
             </a:fld>
             <a:endParaRPr lang="en-US"/>
           </a:p>
@@ -12131,7 +12143,7 @@
           <a:p>
             <a:fld id="{6700A58B-DD98-43D0-B791-721480A02982}" type="datetime1">
               <a:rPr lang="en-US" smtClean="0"/>
-              <a:t>6/7/2019</a:t>
+              <a:t>8/30/2019</a:t>
             </a:fld>
             <a:endParaRPr lang="en-US"/>
           </a:p>
@@ -12443,7 +12455,7 @@
           <a:p>
             <a:fld id="{6700A58B-DD98-43D0-B791-721480A02982}" type="datetime1">
               <a:rPr lang="en-US" smtClean="0"/>
-              <a:t>6/7/2019</a:t>
+              <a:t>8/30/2019</a:t>
             </a:fld>
             <a:endParaRPr lang="en-US"/>
           </a:p>
@@ -13008,7 +13020,7 @@
           <a:p>
             <a:fld id="{6700A58B-DD98-43D0-B791-721480A02982}" type="datetime1">
               <a:rPr lang="en-US" smtClean="0"/>
-              <a:t>6/7/2019</a:t>
+              <a:t>8/30/2019</a:t>
             </a:fld>
             <a:endParaRPr lang="en-US"/>
           </a:p>
@@ -13160,7 +13172,7 @@
           <a:p>
             <a:fld id="{6700A58B-DD98-43D0-B791-721480A02982}" type="datetime1">
               <a:rPr lang="en-US" smtClean="0"/>
-              <a:t>6/7/2019</a:t>
+              <a:t>8/30/2019</a:t>
             </a:fld>
             <a:endParaRPr lang="en-US"/>
           </a:p>
@@ -13278,7 +13290,7 @@
           <a:p>
             <a:fld id="{6700A58B-DD98-43D0-B791-721480A02982}" type="datetime1">
               <a:rPr lang="en-US" smtClean="0"/>
-              <a:t>6/7/2019</a:t>
+              <a:t>8/30/2019</a:t>
             </a:fld>
             <a:endParaRPr lang="en-US"/>
           </a:p>
@@ -13358,7 +13370,7 @@
           <p:cNvPr id="6" name="Picture 5">
             <a:extLst>
               <a:ext uri="{FF2B5EF4-FFF2-40B4-BE49-F238E27FC236}">
-                <a16:creationId xmlns="" xmlns:a16="http://schemas.microsoft.com/office/drawing/2014/main" id="{EFF84193-872B-4739-9DD7-CA9224B83595}"/>
+                <a16:creationId xmlns:a16="http://schemas.microsoft.com/office/drawing/2014/main" xmlns="" id="{EFF84193-872B-4739-9DD7-CA9224B83595}"/>
               </a:ext>
             </a:extLst>
           </p:cNvPr>
@@ -13387,7 +13399,7 @@
           <p:cNvPr id="12" name="Rectangle 11">
             <a:extLst>
               <a:ext uri="{FF2B5EF4-FFF2-40B4-BE49-F238E27FC236}">
-                <a16:creationId xmlns="" xmlns:a16="http://schemas.microsoft.com/office/drawing/2014/main" id="{2994E50C-2AEA-4636-89B8-18B8A03C097F}"/>
+                <a16:creationId xmlns:a16="http://schemas.microsoft.com/office/drawing/2014/main" xmlns="" id="{2994E50C-2AEA-4636-89B8-18B8A03C097F}"/>
               </a:ext>
             </a:extLst>
           </p:cNvPr>
@@ -13643,7 +13655,7 @@
           <a:p>
             <a:fld id="{6700A58B-DD98-43D0-B791-721480A02982}" type="datetime1">
               <a:rPr lang="en-US" smtClean="0"/>
-              <a:t>6/7/2019</a:t>
+              <a:t>8/30/2019</a:t>
             </a:fld>
             <a:endParaRPr lang="en-US"/>
           </a:p>
@@ -14261,7 +14273,7 @@
           <p:cNvPr id="21" name="Footer Placeholder 5">
             <a:extLst>
               <a:ext uri="{FF2B5EF4-FFF2-40B4-BE49-F238E27FC236}">
-                <a16:creationId xmlns:a16="http://schemas.microsoft.com/office/drawing/2014/main" xmlns="" id="{400668B5-1689-45BD-A3E9-6F4F8F383948}"/>
+                <a16:creationId xmlns="" xmlns:a16="http://schemas.microsoft.com/office/drawing/2014/main" id="{400668B5-1689-45BD-A3E9-6F4F8F383948}"/>
               </a:ext>
             </a:extLst>
           </p:cNvPr>
@@ -14327,7 +14339,7 @@
           <p:cNvPr id="2" name="Title 1">
             <a:extLst>
               <a:ext uri="{FF2B5EF4-FFF2-40B4-BE49-F238E27FC236}">
-                <a16:creationId xmlns:a16="http://schemas.microsoft.com/office/drawing/2014/main" xmlns="" id="{1D85130A-DDAC-431A-99E7-E6F18A493B8E}"/>
+                <a16:creationId xmlns="" xmlns:a16="http://schemas.microsoft.com/office/drawing/2014/main" id="{1D85130A-DDAC-431A-99E7-E6F18A493B8E}"/>
               </a:ext>
             </a:extLst>
           </p:cNvPr>
@@ -14563,7 +14575,7 @@
           <p:cNvPr id="2" name="Title 1">
             <a:extLst>
               <a:ext uri="{FF2B5EF4-FFF2-40B4-BE49-F238E27FC236}">
-                <a16:creationId xmlns:a16="http://schemas.microsoft.com/office/drawing/2014/main" xmlns="" id="{BF1AC72E-C79D-4CD4-97BC-31A9D9E94DFB}"/>
+                <a16:creationId xmlns="" xmlns:a16="http://schemas.microsoft.com/office/drawing/2014/main" id="{BF1AC72E-C79D-4CD4-97BC-31A9D9E94DFB}"/>
               </a:ext>
             </a:extLst>
           </p:cNvPr>
@@ -14591,7 +14603,7 @@
           <p:cNvPr id="4" name="TextBox 3">
             <a:extLst>
               <a:ext uri="{FF2B5EF4-FFF2-40B4-BE49-F238E27FC236}">
-                <a16:creationId xmlns:a16="http://schemas.microsoft.com/office/drawing/2014/main" xmlns="" id="{319B9087-EA30-4D22-B780-6F586CA1CE02}"/>
+                <a16:creationId xmlns="" xmlns:a16="http://schemas.microsoft.com/office/drawing/2014/main" id="{319B9087-EA30-4D22-B780-6F586CA1CE02}"/>
               </a:ext>
             </a:extLst>
           </p:cNvPr>
@@ -14626,7 +14638,7 @@
           <p:cNvPr id="13" name="TextBox 12">
             <a:extLst>
               <a:ext uri="{FF2B5EF4-FFF2-40B4-BE49-F238E27FC236}">
-                <a16:creationId xmlns:a16="http://schemas.microsoft.com/office/drawing/2014/main" xmlns="" id="{9C0F158D-78E4-4AE9-B6F3-23C672AE9B08}"/>
+                <a16:creationId xmlns="" xmlns:a16="http://schemas.microsoft.com/office/drawing/2014/main" id="{9C0F158D-78E4-4AE9-B6F3-23C672AE9B08}"/>
               </a:ext>
             </a:extLst>
           </p:cNvPr>
@@ -14692,7 +14704,7 @@
           <p:cNvPr id="2" name="Title 1">
             <a:extLst>
               <a:ext uri="{FF2B5EF4-FFF2-40B4-BE49-F238E27FC236}">
-                <a16:creationId xmlns:a16="http://schemas.microsoft.com/office/drawing/2014/main" xmlns="" id="{BF1AC72E-C79D-4CD4-97BC-31A9D9E94DFB}"/>
+                <a16:creationId xmlns="" xmlns:a16="http://schemas.microsoft.com/office/drawing/2014/main" id="{BF1AC72E-C79D-4CD4-97BC-31A9D9E94DFB}"/>
               </a:ext>
             </a:extLst>
           </p:cNvPr>
@@ -14720,7 +14732,7 @@
           <p:cNvPr id="4" name="TextBox 3">
             <a:extLst>
               <a:ext uri="{FF2B5EF4-FFF2-40B4-BE49-F238E27FC236}">
-                <a16:creationId xmlns:a16="http://schemas.microsoft.com/office/drawing/2014/main" xmlns="" id="{319B9087-EA30-4D22-B780-6F586CA1CE02}"/>
+                <a16:creationId xmlns="" xmlns:a16="http://schemas.microsoft.com/office/drawing/2014/main" id="{319B9087-EA30-4D22-B780-6F586CA1CE02}"/>
               </a:ext>
             </a:extLst>
           </p:cNvPr>
@@ -14755,7 +14767,7 @@
           <p:cNvPr id="6" name="Straight Arrow Connector 5">
             <a:extLst>
               <a:ext uri="{FF2B5EF4-FFF2-40B4-BE49-F238E27FC236}">
-                <a16:creationId xmlns:a16="http://schemas.microsoft.com/office/drawing/2014/main" xmlns="" id="{7E50053A-985D-4630-B0A6-E9D07ABF3571}"/>
+                <a16:creationId xmlns="" xmlns:a16="http://schemas.microsoft.com/office/drawing/2014/main" id="{7E50053A-985D-4630-B0A6-E9D07ABF3571}"/>
               </a:ext>
             </a:extLst>
           </p:cNvPr>
@@ -14797,7 +14809,7 @@
           <p:cNvPr id="9" name="Straight Arrow Connector 8">
             <a:extLst>
               <a:ext uri="{FF2B5EF4-FFF2-40B4-BE49-F238E27FC236}">
-                <a16:creationId xmlns:a16="http://schemas.microsoft.com/office/drawing/2014/main" xmlns="" id="{41A54E53-0E80-4C3D-B5B6-2C759760C223}"/>
+                <a16:creationId xmlns="" xmlns:a16="http://schemas.microsoft.com/office/drawing/2014/main" id="{41A54E53-0E80-4C3D-B5B6-2C759760C223}"/>
               </a:ext>
             </a:extLst>
           </p:cNvPr>
@@ -14839,7 +14851,7 @@
           <p:cNvPr id="10" name="TextBox 9">
             <a:extLst>
               <a:ext uri="{FF2B5EF4-FFF2-40B4-BE49-F238E27FC236}">
-                <a16:creationId xmlns:a16="http://schemas.microsoft.com/office/drawing/2014/main" xmlns="" id="{8E29FEDD-1022-48AC-9D9C-DBD160E993D4}"/>
+                <a16:creationId xmlns="" xmlns:a16="http://schemas.microsoft.com/office/drawing/2014/main" id="{8E29FEDD-1022-48AC-9D9C-DBD160E993D4}"/>
               </a:ext>
             </a:extLst>
           </p:cNvPr>
@@ -14874,7 +14886,7 @@
           <p:cNvPr id="13" name="TextBox 12">
             <a:extLst>
               <a:ext uri="{FF2B5EF4-FFF2-40B4-BE49-F238E27FC236}">
-                <a16:creationId xmlns:a16="http://schemas.microsoft.com/office/drawing/2014/main" xmlns="" id="{9C0F158D-78E4-4AE9-B6F3-23C672AE9B08}"/>
+                <a16:creationId xmlns="" xmlns:a16="http://schemas.microsoft.com/office/drawing/2014/main" id="{9C0F158D-78E4-4AE9-B6F3-23C672AE9B08}"/>
               </a:ext>
             </a:extLst>
           </p:cNvPr>
@@ -14909,7 +14921,7 @@
           <p:cNvPr id="14" name="TextBox 13">
             <a:extLst>
               <a:ext uri="{FF2B5EF4-FFF2-40B4-BE49-F238E27FC236}">
-                <a16:creationId xmlns:a16="http://schemas.microsoft.com/office/drawing/2014/main" xmlns="" id="{8E29FEDD-1022-48AC-9D9C-DBD160E993D4}"/>
+                <a16:creationId xmlns="" xmlns:a16="http://schemas.microsoft.com/office/drawing/2014/main" id="{8E29FEDD-1022-48AC-9D9C-DBD160E993D4}"/>
               </a:ext>
             </a:extLst>
           </p:cNvPr>
@@ -14944,7 +14956,7 @@
           <p:cNvPr id="15" name="TextBox 14">
             <a:extLst>
               <a:ext uri="{FF2B5EF4-FFF2-40B4-BE49-F238E27FC236}">
-                <a16:creationId xmlns:a16="http://schemas.microsoft.com/office/drawing/2014/main" xmlns="" id="{2EAF7C60-88C1-4DB4-8EDA-F9441004D8FA}"/>
+                <a16:creationId xmlns="" xmlns:a16="http://schemas.microsoft.com/office/drawing/2014/main" id="{2EAF7C60-88C1-4DB4-8EDA-F9441004D8FA}"/>
               </a:ext>
             </a:extLst>
           </p:cNvPr>
@@ -14979,7 +14991,7 @@
           <p:cNvPr id="16" name="TextBox 15">
             <a:extLst>
               <a:ext uri="{FF2B5EF4-FFF2-40B4-BE49-F238E27FC236}">
-                <a16:creationId xmlns:a16="http://schemas.microsoft.com/office/drawing/2014/main" xmlns="" id="{DBFF0D66-8239-445A-9A85-BA7F1CAE7E2E}"/>
+                <a16:creationId xmlns="" xmlns:a16="http://schemas.microsoft.com/office/drawing/2014/main" id="{DBFF0D66-8239-445A-9A85-BA7F1CAE7E2E}"/>
               </a:ext>
             </a:extLst>
           </p:cNvPr>
@@ -15058,7 +15070,7 @@
           <p:cNvPr id="18" name="TextBox 17">
             <a:extLst>
               <a:ext uri="{FF2B5EF4-FFF2-40B4-BE49-F238E27FC236}">
-                <a16:creationId xmlns:a16="http://schemas.microsoft.com/office/drawing/2014/main" xmlns="" id="{9C0F158D-78E4-4AE9-B6F3-23C672AE9B08}"/>
+                <a16:creationId xmlns="" xmlns:a16="http://schemas.microsoft.com/office/drawing/2014/main" id="{9C0F158D-78E4-4AE9-B6F3-23C672AE9B08}"/>
               </a:ext>
             </a:extLst>
           </p:cNvPr>
@@ -15124,7 +15136,7 @@
           <p:cNvPr id="2" name="Title 1">
             <a:extLst>
               <a:ext uri="{FF2B5EF4-FFF2-40B4-BE49-F238E27FC236}">
-                <a16:creationId xmlns:a16="http://schemas.microsoft.com/office/drawing/2014/main" xmlns="" id="{BF1AC72E-C79D-4CD4-97BC-31A9D9E94DFB}"/>
+                <a16:creationId xmlns="" xmlns:a16="http://schemas.microsoft.com/office/drawing/2014/main" id="{BF1AC72E-C79D-4CD4-97BC-31A9D9E94DFB}"/>
               </a:ext>
             </a:extLst>
           </p:cNvPr>
@@ -15152,7 +15164,7 @@
           <p:cNvPr id="4" name="TextBox 3">
             <a:extLst>
               <a:ext uri="{FF2B5EF4-FFF2-40B4-BE49-F238E27FC236}">
-                <a16:creationId xmlns:a16="http://schemas.microsoft.com/office/drawing/2014/main" xmlns="" id="{319B9087-EA30-4D22-B780-6F586CA1CE02}"/>
+                <a16:creationId xmlns="" xmlns:a16="http://schemas.microsoft.com/office/drawing/2014/main" id="{319B9087-EA30-4D22-B780-6F586CA1CE02}"/>
               </a:ext>
             </a:extLst>
           </p:cNvPr>
@@ -15187,7 +15199,7 @@
           <p:cNvPr id="7" name="TextBox 6">
             <a:extLst>
               <a:ext uri="{FF2B5EF4-FFF2-40B4-BE49-F238E27FC236}">
-                <a16:creationId xmlns:a16="http://schemas.microsoft.com/office/drawing/2014/main" xmlns="" id="{9C0F158D-78E4-4AE9-B6F3-23C672AE9B08}"/>
+                <a16:creationId xmlns="" xmlns:a16="http://schemas.microsoft.com/office/drawing/2014/main" id="{9C0F158D-78E4-4AE9-B6F3-23C672AE9B08}"/>
               </a:ext>
             </a:extLst>
           </p:cNvPr>
@@ -15222,7 +15234,7 @@
           <p:cNvPr id="6" name="Straight Arrow Connector 5">
             <a:extLst>
               <a:ext uri="{FF2B5EF4-FFF2-40B4-BE49-F238E27FC236}">
-                <a16:creationId xmlns:a16="http://schemas.microsoft.com/office/drawing/2014/main" xmlns="" id="{7E50053A-985D-4630-B0A6-E9D07ABF3571}"/>
+                <a16:creationId xmlns="" xmlns:a16="http://schemas.microsoft.com/office/drawing/2014/main" id="{7E50053A-985D-4630-B0A6-E9D07ABF3571}"/>
               </a:ext>
             </a:extLst>
           </p:cNvPr>
@@ -15263,7 +15275,7 @@
           <p:cNvPr id="9" name="Straight Arrow Connector 8">
             <a:extLst>
               <a:ext uri="{FF2B5EF4-FFF2-40B4-BE49-F238E27FC236}">
-                <a16:creationId xmlns:a16="http://schemas.microsoft.com/office/drawing/2014/main" xmlns="" id="{41A54E53-0E80-4C3D-B5B6-2C759760C223}"/>
+                <a16:creationId xmlns="" xmlns:a16="http://schemas.microsoft.com/office/drawing/2014/main" id="{41A54E53-0E80-4C3D-B5B6-2C759760C223}"/>
               </a:ext>
             </a:extLst>
           </p:cNvPr>
@@ -15304,7 +15316,7 @@
           <p:cNvPr id="10" name="TextBox 9">
             <a:extLst>
               <a:ext uri="{FF2B5EF4-FFF2-40B4-BE49-F238E27FC236}">
-                <a16:creationId xmlns:a16="http://schemas.microsoft.com/office/drawing/2014/main" xmlns="" id="{8E29FEDD-1022-48AC-9D9C-DBD160E993D4}"/>
+                <a16:creationId xmlns="" xmlns:a16="http://schemas.microsoft.com/office/drawing/2014/main" id="{8E29FEDD-1022-48AC-9D9C-DBD160E993D4}"/>
               </a:ext>
             </a:extLst>
           </p:cNvPr>
@@ -15339,7 +15351,7 @@
           <p:cNvPr id="11" name="TextBox 10">
             <a:extLst>
               <a:ext uri="{FF2B5EF4-FFF2-40B4-BE49-F238E27FC236}">
-                <a16:creationId xmlns:a16="http://schemas.microsoft.com/office/drawing/2014/main" xmlns="" id="{2EAF7C60-88C1-4DB4-8EDA-F9441004D8FA}"/>
+                <a16:creationId xmlns="" xmlns:a16="http://schemas.microsoft.com/office/drawing/2014/main" id="{2EAF7C60-88C1-4DB4-8EDA-F9441004D8FA}"/>
               </a:ext>
             </a:extLst>
           </p:cNvPr>
@@ -15374,7 +15386,7 @@
           <p:cNvPr id="12" name="TextBox 11">
             <a:extLst>
               <a:ext uri="{FF2B5EF4-FFF2-40B4-BE49-F238E27FC236}">
-                <a16:creationId xmlns:a16="http://schemas.microsoft.com/office/drawing/2014/main" xmlns="" id="{DBFF0D66-8239-445A-9A85-BA7F1CAE7E2E}"/>
+                <a16:creationId xmlns="" xmlns:a16="http://schemas.microsoft.com/office/drawing/2014/main" id="{DBFF0D66-8239-445A-9A85-BA7F1CAE7E2E}"/>
               </a:ext>
             </a:extLst>
           </p:cNvPr>
@@ -15409,7 +15421,7 @@
           <p:cNvPr id="5" name="TextBox 4">
             <a:extLst>
               <a:ext uri="{FF2B5EF4-FFF2-40B4-BE49-F238E27FC236}">
-                <a16:creationId xmlns:a16="http://schemas.microsoft.com/office/drawing/2014/main" xmlns="" id="{EEDC216D-5FCB-432E-9D6A-72F4304878C9}"/>
+                <a16:creationId xmlns="" xmlns:a16="http://schemas.microsoft.com/office/drawing/2014/main" id="{EEDC216D-5FCB-432E-9D6A-72F4304878C9}"/>
               </a:ext>
             </a:extLst>
           </p:cNvPr>
@@ -15444,7 +15456,7 @@
           <p:cNvPr id="13" name="TextBox 12">
             <a:extLst>
               <a:ext uri="{FF2B5EF4-FFF2-40B4-BE49-F238E27FC236}">
-                <a16:creationId xmlns:a16="http://schemas.microsoft.com/office/drawing/2014/main" xmlns="" id="{58150ABA-E9A1-43B7-A877-C9A0CE8D0550}"/>
+                <a16:creationId xmlns="" xmlns:a16="http://schemas.microsoft.com/office/drawing/2014/main" id="{58150ABA-E9A1-43B7-A877-C9A0CE8D0550}"/>
               </a:ext>
             </a:extLst>
           </p:cNvPr>
@@ -15479,7 +15491,7 @@
           <p:cNvPr id="14" name="Straight Arrow Connector 13">
             <a:extLst>
               <a:ext uri="{FF2B5EF4-FFF2-40B4-BE49-F238E27FC236}">
-                <a16:creationId xmlns:a16="http://schemas.microsoft.com/office/drawing/2014/main" xmlns="" id="{7576B7A1-1469-416D-99DA-7E09FF57998F}"/>
+                <a16:creationId xmlns="" xmlns:a16="http://schemas.microsoft.com/office/drawing/2014/main" id="{7576B7A1-1469-416D-99DA-7E09FF57998F}"/>
               </a:ext>
             </a:extLst>
           </p:cNvPr>
@@ -15566,7 +15578,7 @@
           <p:cNvPr id="16" name="TextBox 15">
             <a:extLst>
               <a:ext uri="{FF2B5EF4-FFF2-40B4-BE49-F238E27FC236}">
-                <a16:creationId xmlns:a16="http://schemas.microsoft.com/office/drawing/2014/main" xmlns="" id="{9C0F158D-78E4-4AE9-B6F3-23C672AE9B08}"/>
+                <a16:creationId xmlns="" xmlns:a16="http://schemas.microsoft.com/office/drawing/2014/main" id="{9C0F158D-78E4-4AE9-B6F3-23C672AE9B08}"/>
               </a:ext>
             </a:extLst>
           </p:cNvPr>
@@ -15632,7 +15644,7 @@
           <p:cNvPr id="2" name="Title 1">
             <a:extLst>
               <a:ext uri="{FF2B5EF4-FFF2-40B4-BE49-F238E27FC236}">
-                <a16:creationId xmlns:a16="http://schemas.microsoft.com/office/drawing/2014/main" xmlns="" id="{BF1AC72E-C79D-4CD4-97BC-31A9D9E94DFB}"/>
+                <a16:creationId xmlns="" xmlns:a16="http://schemas.microsoft.com/office/drawing/2014/main" id="{BF1AC72E-C79D-4CD4-97BC-31A9D9E94DFB}"/>
               </a:ext>
             </a:extLst>
           </p:cNvPr>
@@ -15660,7 +15672,7 @@
           <p:cNvPr id="4" name="TextBox 3">
             <a:extLst>
               <a:ext uri="{FF2B5EF4-FFF2-40B4-BE49-F238E27FC236}">
-                <a16:creationId xmlns:a16="http://schemas.microsoft.com/office/drawing/2014/main" xmlns="" id="{319B9087-EA30-4D22-B780-6F586CA1CE02}"/>
+                <a16:creationId xmlns="" xmlns:a16="http://schemas.microsoft.com/office/drawing/2014/main" id="{319B9087-EA30-4D22-B780-6F586CA1CE02}"/>
               </a:ext>
             </a:extLst>
           </p:cNvPr>
@@ -15695,7 +15707,7 @@
           <p:cNvPr id="7" name="TextBox 6">
             <a:extLst>
               <a:ext uri="{FF2B5EF4-FFF2-40B4-BE49-F238E27FC236}">
-                <a16:creationId xmlns:a16="http://schemas.microsoft.com/office/drawing/2014/main" xmlns="" id="{9C0F158D-78E4-4AE9-B6F3-23C672AE9B08}"/>
+                <a16:creationId xmlns="" xmlns:a16="http://schemas.microsoft.com/office/drawing/2014/main" id="{9C0F158D-78E4-4AE9-B6F3-23C672AE9B08}"/>
               </a:ext>
             </a:extLst>
           </p:cNvPr>
@@ -15730,7 +15742,7 @@
           <p:cNvPr id="6" name="Straight Arrow Connector 5">
             <a:extLst>
               <a:ext uri="{FF2B5EF4-FFF2-40B4-BE49-F238E27FC236}">
-                <a16:creationId xmlns:a16="http://schemas.microsoft.com/office/drawing/2014/main" xmlns="" id="{7E50053A-985D-4630-B0A6-E9D07ABF3571}"/>
+                <a16:creationId xmlns="" xmlns:a16="http://schemas.microsoft.com/office/drawing/2014/main" id="{7E50053A-985D-4630-B0A6-E9D07ABF3571}"/>
               </a:ext>
             </a:extLst>
           </p:cNvPr>
@@ -15771,7 +15783,7 @@
           <p:cNvPr id="9" name="Straight Arrow Connector 8">
             <a:extLst>
               <a:ext uri="{FF2B5EF4-FFF2-40B4-BE49-F238E27FC236}">
-                <a16:creationId xmlns:a16="http://schemas.microsoft.com/office/drawing/2014/main" xmlns="" id="{41A54E53-0E80-4C3D-B5B6-2C759760C223}"/>
+                <a16:creationId xmlns="" xmlns:a16="http://schemas.microsoft.com/office/drawing/2014/main" id="{41A54E53-0E80-4C3D-B5B6-2C759760C223}"/>
               </a:ext>
             </a:extLst>
           </p:cNvPr>
@@ -15812,7 +15824,7 @@
           <p:cNvPr id="10" name="TextBox 9">
             <a:extLst>
               <a:ext uri="{FF2B5EF4-FFF2-40B4-BE49-F238E27FC236}">
-                <a16:creationId xmlns:a16="http://schemas.microsoft.com/office/drawing/2014/main" xmlns="" id="{8E29FEDD-1022-48AC-9D9C-DBD160E993D4}"/>
+                <a16:creationId xmlns="" xmlns:a16="http://schemas.microsoft.com/office/drawing/2014/main" id="{8E29FEDD-1022-48AC-9D9C-DBD160E993D4}"/>
               </a:ext>
             </a:extLst>
           </p:cNvPr>
@@ -15847,7 +15859,7 @@
           <p:cNvPr id="11" name="TextBox 10">
             <a:extLst>
               <a:ext uri="{FF2B5EF4-FFF2-40B4-BE49-F238E27FC236}">
-                <a16:creationId xmlns:a16="http://schemas.microsoft.com/office/drawing/2014/main" xmlns="" id="{2EAF7C60-88C1-4DB4-8EDA-F9441004D8FA}"/>
+                <a16:creationId xmlns="" xmlns:a16="http://schemas.microsoft.com/office/drawing/2014/main" id="{2EAF7C60-88C1-4DB4-8EDA-F9441004D8FA}"/>
               </a:ext>
             </a:extLst>
           </p:cNvPr>
@@ -15882,7 +15894,7 @@
           <p:cNvPr id="12" name="TextBox 11">
             <a:extLst>
               <a:ext uri="{FF2B5EF4-FFF2-40B4-BE49-F238E27FC236}">
-                <a16:creationId xmlns:a16="http://schemas.microsoft.com/office/drawing/2014/main" xmlns="" id="{DBFF0D66-8239-445A-9A85-BA7F1CAE7E2E}"/>
+                <a16:creationId xmlns="" xmlns:a16="http://schemas.microsoft.com/office/drawing/2014/main" id="{DBFF0D66-8239-445A-9A85-BA7F1CAE7E2E}"/>
               </a:ext>
             </a:extLst>
           </p:cNvPr>
@@ -15917,7 +15929,7 @@
           <p:cNvPr id="5" name="TextBox 4">
             <a:extLst>
               <a:ext uri="{FF2B5EF4-FFF2-40B4-BE49-F238E27FC236}">
-                <a16:creationId xmlns:a16="http://schemas.microsoft.com/office/drawing/2014/main" xmlns="" id="{EEDC216D-5FCB-432E-9D6A-72F4304878C9}"/>
+                <a16:creationId xmlns="" xmlns:a16="http://schemas.microsoft.com/office/drawing/2014/main" id="{EEDC216D-5FCB-432E-9D6A-72F4304878C9}"/>
               </a:ext>
             </a:extLst>
           </p:cNvPr>
@@ -15952,7 +15964,7 @@
           <p:cNvPr id="13" name="TextBox 12">
             <a:extLst>
               <a:ext uri="{FF2B5EF4-FFF2-40B4-BE49-F238E27FC236}">
-                <a16:creationId xmlns:a16="http://schemas.microsoft.com/office/drawing/2014/main" xmlns="" id="{58150ABA-E9A1-43B7-A877-C9A0CE8D0550}"/>
+                <a16:creationId xmlns="" xmlns:a16="http://schemas.microsoft.com/office/drawing/2014/main" id="{58150ABA-E9A1-43B7-A877-C9A0CE8D0550}"/>
               </a:ext>
             </a:extLst>
           </p:cNvPr>
@@ -15987,7 +15999,7 @@
           <p:cNvPr id="14" name="Straight Arrow Connector 13">
             <a:extLst>
               <a:ext uri="{FF2B5EF4-FFF2-40B4-BE49-F238E27FC236}">
-                <a16:creationId xmlns:a16="http://schemas.microsoft.com/office/drawing/2014/main" xmlns="" id="{7576B7A1-1469-416D-99DA-7E09FF57998F}"/>
+                <a16:creationId xmlns="" xmlns:a16="http://schemas.microsoft.com/office/drawing/2014/main" id="{7576B7A1-1469-416D-99DA-7E09FF57998F}"/>
               </a:ext>
             </a:extLst>
           </p:cNvPr>
@@ -16030,7 +16042,7 @@
           <p:cNvPr id="15" name="TextBox 14">
             <a:extLst>
               <a:ext uri="{FF2B5EF4-FFF2-40B4-BE49-F238E27FC236}">
-                <a16:creationId xmlns:a16="http://schemas.microsoft.com/office/drawing/2014/main" xmlns="" id="{0D43BBEA-0480-4A3E-9268-E3B90D1DADEB}"/>
+                <a16:creationId xmlns="" xmlns:a16="http://schemas.microsoft.com/office/drawing/2014/main" id="{0D43BBEA-0480-4A3E-9268-E3B90D1DADEB}"/>
               </a:ext>
             </a:extLst>
           </p:cNvPr>
@@ -16065,7 +16077,7 @@
           <p:cNvPr id="16" name="TextBox 15">
             <a:extLst>
               <a:ext uri="{FF2B5EF4-FFF2-40B4-BE49-F238E27FC236}">
-                <a16:creationId xmlns:a16="http://schemas.microsoft.com/office/drawing/2014/main" xmlns="" id="{A5A87132-B6CA-4226-877F-0BF350552696}"/>
+                <a16:creationId xmlns="" xmlns:a16="http://schemas.microsoft.com/office/drawing/2014/main" id="{A5A87132-B6CA-4226-877F-0BF350552696}"/>
               </a:ext>
             </a:extLst>
           </p:cNvPr>
@@ -16100,7 +16112,7 @@
           <p:cNvPr id="17" name="TextBox 16">
             <a:extLst>
               <a:ext uri="{FF2B5EF4-FFF2-40B4-BE49-F238E27FC236}">
-                <a16:creationId xmlns:a16="http://schemas.microsoft.com/office/drawing/2014/main" xmlns="" id="{E5FB6EE0-953A-476A-9138-366D67607D49}"/>
+                <a16:creationId xmlns="" xmlns:a16="http://schemas.microsoft.com/office/drawing/2014/main" id="{E5FB6EE0-953A-476A-9138-366D67607D49}"/>
               </a:ext>
             </a:extLst>
           </p:cNvPr>
@@ -16135,7 +16147,7 @@
           <p:cNvPr id="18" name="Straight Arrow Connector 17">
             <a:extLst>
               <a:ext uri="{FF2B5EF4-FFF2-40B4-BE49-F238E27FC236}">
-                <a16:creationId xmlns:a16="http://schemas.microsoft.com/office/drawing/2014/main" xmlns="" id="{7ED63F79-B537-416C-BB6C-8C5CCF44E35C}"/>
+                <a16:creationId xmlns="" xmlns:a16="http://schemas.microsoft.com/office/drawing/2014/main" id="{7ED63F79-B537-416C-BB6C-8C5CCF44E35C}"/>
               </a:ext>
             </a:extLst>
           </p:cNvPr>
@@ -16178,7 +16190,7 @@
           <p:cNvPr id="19" name="Straight Arrow Connector 18">
             <a:extLst>
               <a:ext uri="{FF2B5EF4-FFF2-40B4-BE49-F238E27FC236}">
-                <a16:creationId xmlns:a16="http://schemas.microsoft.com/office/drawing/2014/main" xmlns="" id="{244D8DC6-E7E3-40ED-A4D4-7984795D213B}"/>
+                <a16:creationId xmlns="" xmlns:a16="http://schemas.microsoft.com/office/drawing/2014/main" id="{244D8DC6-E7E3-40ED-A4D4-7984795D213B}"/>
               </a:ext>
             </a:extLst>
           </p:cNvPr>
@@ -16221,7 +16233,7 @@
           <p:cNvPr id="20" name="Straight Arrow Connector 19">
             <a:extLst>
               <a:ext uri="{FF2B5EF4-FFF2-40B4-BE49-F238E27FC236}">
-                <a16:creationId xmlns:a16="http://schemas.microsoft.com/office/drawing/2014/main" xmlns="" id="{08E83694-2714-4B7A-B0AC-8A4F9FCB5AD5}"/>
+                <a16:creationId xmlns="" xmlns:a16="http://schemas.microsoft.com/office/drawing/2014/main" id="{08E83694-2714-4B7A-B0AC-8A4F9FCB5AD5}"/>
               </a:ext>
             </a:extLst>
           </p:cNvPr>
@@ -16264,7 +16276,7 @@
           <p:cNvPr id="21" name="TextBox 20">
             <a:extLst>
               <a:ext uri="{FF2B5EF4-FFF2-40B4-BE49-F238E27FC236}">
-                <a16:creationId xmlns:a16="http://schemas.microsoft.com/office/drawing/2014/main" xmlns="" id="{873E18EC-F907-4A4E-81E2-813501680909}"/>
+                <a16:creationId xmlns="" xmlns:a16="http://schemas.microsoft.com/office/drawing/2014/main" id="{873E18EC-F907-4A4E-81E2-813501680909}"/>
               </a:ext>
             </a:extLst>
           </p:cNvPr>
@@ -16299,7 +16311,7 @@
           <p:cNvPr id="22" name="TextBox 21">
             <a:extLst>
               <a:ext uri="{FF2B5EF4-FFF2-40B4-BE49-F238E27FC236}">
-                <a16:creationId xmlns:a16="http://schemas.microsoft.com/office/drawing/2014/main" xmlns="" id="{CC36BFDA-4F63-4EB1-802F-2444D699623C}"/>
+                <a16:creationId xmlns="" xmlns:a16="http://schemas.microsoft.com/office/drawing/2014/main" id="{CC36BFDA-4F63-4EB1-802F-2444D699623C}"/>
               </a:ext>
             </a:extLst>
           </p:cNvPr>
@@ -16334,7 +16346,7 @@
           <p:cNvPr id="23" name="TextBox 22">
             <a:extLst>
               <a:ext uri="{FF2B5EF4-FFF2-40B4-BE49-F238E27FC236}">
-                <a16:creationId xmlns:a16="http://schemas.microsoft.com/office/drawing/2014/main" xmlns="" id="{C62ECF0B-19E4-4709-A964-BA2D802A32D0}"/>
+                <a16:creationId xmlns="" xmlns:a16="http://schemas.microsoft.com/office/drawing/2014/main" id="{C62ECF0B-19E4-4709-A964-BA2D802A32D0}"/>
               </a:ext>
             </a:extLst>
           </p:cNvPr>
@@ -16369,7 +16381,7 @@
           <p:cNvPr id="29" name="TextBox 28">
             <a:extLst>
               <a:ext uri="{FF2B5EF4-FFF2-40B4-BE49-F238E27FC236}">
-                <a16:creationId xmlns:a16="http://schemas.microsoft.com/office/drawing/2014/main" xmlns="" id="{E697DCC4-7B25-4CF9-A572-8FAB029D4CCD}"/>
+                <a16:creationId xmlns="" xmlns:a16="http://schemas.microsoft.com/office/drawing/2014/main" id="{E697DCC4-7B25-4CF9-A572-8FAB029D4CCD}"/>
               </a:ext>
             </a:extLst>
           </p:cNvPr>
@@ -16456,7 +16468,7 @@
           <p:cNvPr id="25" name="TextBox 24">
             <a:extLst>
               <a:ext uri="{FF2B5EF4-FFF2-40B4-BE49-F238E27FC236}">
-                <a16:creationId xmlns:a16="http://schemas.microsoft.com/office/drawing/2014/main" xmlns="" id="{9C0F158D-78E4-4AE9-B6F3-23C672AE9B08}"/>
+                <a16:creationId xmlns="" xmlns:a16="http://schemas.microsoft.com/office/drawing/2014/main" id="{9C0F158D-78E4-4AE9-B6F3-23C672AE9B08}"/>
               </a:ext>
             </a:extLst>
           </p:cNvPr>
@@ -16522,7 +16534,7 @@
           <p:cNvPr id="2" name="Title 1">
             <a:extLst>
               <a:ext uri="{FF2B5EF4-FFF2-40B4-BE49-F238E27FC236}">
-                <a16:creationId xmlns:a16="http://schemas.microsoft.com/office/drawing/2014/main" xmlns="" id="{BF1AC72E-C79D-4CD4-97BC-31A9D9E94DFB}"/>
+                <a16:creationId xmlns="" xmlns:a16="http://schemas.microsoft.com/office/drawing/2014/main" id="{BF1AC72E-C79D-4CD4-97BC-31A9D9E94DFB}"/>
               </a:ext>
             </a:extLst>
           </p:cNvPr>
@@ -16550,7 +16562,7 @@
           <p:cNvPr id="4" name="TextBox 3">
             <a:extLst>
               <a:ext uri="{FF2B5EF4-FFF2-40B4-BE49-F238E27FC236}">
-                <a16:creationId xmlns:a16="http://schemas.microsoft.com/office/drawing/2014/main" xmlns="" id="{319B9087-EA30-4D22-B780-6F586CA1CE02}"/>
+                <a16:creationId xmlns="" xmlns:a16="http://schemas.microsoft.com/office/drawing/2014/main" id="{319B9087-EA30-4D22-B780-6F586CA1CE02}"/>
               </a:ext>
             </a:extLst>
           </p:cNvPr>
@@ -16585,7 +16597,7 @@
           <p:cNvPr id="7" name="TextBox 6">
             <a:extLst>
               <a:ext uri="{FF2B5EF4-FFF2-40B4-BE49-F238E27FC236}">
-                <a16:creationId xmlns:a16="http://schemas.microsoft.com/office/drawing/2014/main" xmlns="" id="{9C0F158D-78E4-4AE9-B6F3-23C672AE9B08}"/>
+                <a16:creationId xmlns="" xmlns:a16="http://schemas.microsoft.com/office/drawing/2014/main" id="{9C0F158D-78E4-4AE9-B6F3-23C672AE9B08}"/>
               </a:ext>
             </a:extLst>
           </p:cNvPr>
@@ -16620,7 +16632,7 @@
           <p:cNvPr id="6" name="Straight Arrow Connector 5">
             <a:extLst>
               <a:ext uri="{FF2B5EF4-FFF2-40B4-BE49-F238E27FC236}">
-                <a16:creationId xmlns:a16="http://schemas.microsoft.com/office/drawing/2014/main" xmlns="" id="{7E50053A-985D-4630-B0A6-E9D07ABF3571}"/>
+                <a16:creationId xmlns="" xmlns:a16="http://schemas.microsoft.com/office/drawing/2014/main" id="{7E50053A-985D-4630-B0A6-E9D07ABF3571}"/>
               </a:ext>
             </a:extLst>
           </p:cNvPr>
@@ -16661,7 +16673,7 @@
           <p:cNvPr id="9" name="Straight Arrow Connector 8">
             <a:extLst>
               <a:ext uri="{FF2B5EF4-FFF2-40B4-BE49-F238E27FC236}">
-                <a16:creationId xmlns:a16="http://schemas.microsoft.com/office/drawing/2014/main" xmlns="" id="{41A54E53-0E80-4C3D-B5B6-2C759760C223}"/>
+                <a16:creationId xmlns="" xmlns:a16="http://schemas.microsoft.com/office/drawing/2014/main" id="{41A54E53-0E80-4C3D-B5B6-2C759760C223}"/>
               </a:ext>
             </a:extLst>
           </p:cNvPr>
@@ -16702,7 +16714,7 @@
           <p:cNvPr id="10" name="TextBox 9">
             <a:extLst>
               <a:ext uri="{FF2B5EF4-FFF2-40B4-BE49-F238E27FC236}">
-                <a16:creationId xmlns:a16="http://schemas.microsoft.com/office/drawing/2014/main" xmlns="" id="{8E29FEDD-1022-48AC-9D9C-DBD160E993D4}"/>
+                <a16:creationId xmlns="" xmlns:a16="http://schemas.microsoft.com/office/drawing/2014/main" id="{8E29FEDD-1022-48AC-9D9C-DBD160E993D4}"/>
               </a:ext>
             </a:extLst>
           </p:cNvPr>
@@ -16737,7 +16749,7 @@
           <p:cNvPr id="11" name="TextBox 10">
             <a:extLst>
               <a:ext uri="{FF2B5EF4-FFF2-40B4-BE49-F238E27FC236}">
-                <a16:creationId xmlns:a16="http://schemas.microsoft.com/office/drawing/2014/main" xmlns="" id="{2EAF7C60-88C1-4DB4-8EDA-F9441004D8FA}"/>
+                <a16:creationId xmlns="" xmlns:a16="http://schemas.microsoft.com/office/drawing/2014/main" id="{2EAF7C60-88C1-4DB4-8EDA-F9441004D8FA}"/>
               </a:ext>
             </a:extLst>
           </p:cNvPr>
@@ -16772,7 +16784,7 @@
           <p:cNvPr id="12" name="TextBox 11">
             <a:extLst>
               <a:ext uri="{FF2B5EF4-FFF2-40B4-BE49-F238E27FC236}">
-                <a16:creationId xmlns:a16="http://schemas.microsoft.com/office/drawing/2014/main" xmlns="" id="{DBFF0D66-8239-445A-9A85-BA7F1CAE7E2E}"/>
+                <a16:creationId xmlns="" xmlns:a16="http://schemas.microsoft.com/office/drawing/2014/main" id="{DBFF0D66-8239-445A-9A85-BA7F1CAE7E2E}"/>
               </a:ext>
             </a:extLst>
           </p:cNvPr>
@@ -16807,7 +16819,7 @@
           <p:cNvPr id="5" name="TextBox 4">
             <a:extLst>
               <a:ext uri="{FF2B5EF4-FFF2-40B4-BE49-F238E27FC236}">
-                <a16:creationId xmlns:a16="http://schemas.microsoft.com/office/drawing/2014/main" xmlns="" id="{EEDC216D-5FCB-432E-9D6A-72F4304878C9}"/>
+                <a16:creationId xmlns="" xmlns:a16="http://schemas.microsoft.com/office/drawing/2014/main" id="{EEDC216D-5FCB-432E-9D6A-72F4304878C9}"/>
               </a:ext>
             </a:extLst>
           </p:cNvPr>
@@ -16842,7 +16854,7 @@
           <p:cNvPr id="13" name="TextBox 12">
             <a:extLst>
               <a:ext uri="{FF2B5EF4-FFF2-40B4-BE49-F238E27FC236}">
-                <a16:creationId xmlns:a16="http://schemas.microsoft.com/office/drawing/2014/main" xmlns="" id="{58150ABA-E9A1-43B7-A877-C9A0CE8D0550}"/>
+                <a16:creationId xmlns="" xmlns:a16="http://schemas.microsoft.com/office/drawing/2014/main" id="{58150ABA-E9A1-43B7-A877-C9A0CE8D0550}"/>
               </a:ext>
             </a:extLst>
           </p:cNvPr>
@@ -16877,7 +16889,7 @@
           <p:cNvPr id="14" name="Straight Arrow Connector 13">
             <a:extLst>
               <a:ext uri="{FF2B5EF4-FFF2-40B4-BE49-F238E27FC236}">
-                <a16:creationId xmlns:a16="http://schemas.microsoft.com/office/drawing/2014/main" xmlns="" id="{7576B7A1-1469-416D-99DA-7E09FF57998F}"/>
+                <a16:creationId xmlns="" xmlns:a16="http://schemas.microsoft.com/office/drawing/2014/main" id="{7576B7A1-1469-416D-99DA-7E09FF57998F}"/>
               </a:ext>
             </a:extLst>
           </p:cNvPr>
@@ -16920,7 +16932,7 @@
           <p:cNvPr id="15" name="TextBox 14">
             <a:extLst>
               <a:ext uri="{FF2B5EF4-FFF2-40B4-BE49-F238E27FC236}">
-                <a16:creationId xmlns:a16="http://schemas.microsoft.com/office/drawing/2014/main" xmlns="" id="{0D43BBEA-0480-4A3E-9268-E3B90D1DADEB}"/>
+                <a16:creationId xmlns="" xmlns:a16="http://schemas.microsoft.com/office/drawing/2014/main" id="{0D43BBEA-0480-4A3E-9268-E3B90D1DADEB}"/>
               </a:ext>
             </a:extLst>
           </p:cNvPr>
@@ -16955,7 +16967,7 @@
           <p:cNvPr id="16" name="TextBox 15">
             <a:extLst>
               <a:ext uri="{FF2B5EF4-FFF2-40B4-BE49-F238E27FC236}">
-                <a16:creationId xmlns:a16="http://schemas.microsoft.com/office/drawing/2014/main" xmlns="" id="{A5A87132-B6CA-4226-877F-0BF350552696}"/>
+                <a16:creationId xmlns="" xmlns:a16="http://schemas.microsoft.com/office/drawing/2014/main" id="{A5A87132-B6CA-4226-877F-0BF350552696}"/>
               </a:ext>
             </a:extLst>
           </p:cNvPr>
@@ -16990,7 +17002,7 @@
           <p:cNvPr id="17" name="TextBox 16">
             <a:extLst>
               <a:ext uri="{FF2B5EF4-FFF2-40B4-BE49-F238E27FC236}">
-                <a16:creationId xmlns:a16="http://schemas.microsoft.com/office/drawing/2014/main" xmlns="" id="{E5FB6EE0-953A-476A-9138-366D67607D49}"/>
+                <a16:creationId xmlns="" xmlns:a16="http://schemas.microsoft.com/office/drawing/2014/main" id="{E5FB6EE0-953A-476A-9138-366D67607D49}"/>
               </a:ext>
             </a:extLst>
           </p:cNvPr>
@@ -17025,7 +17037,7 @@
           <p:cNvPr id="18" name="Straight Arrow Connector 17">
             <a:extLst>
               <a:ext uri="{FF2B5EF4-FFF2-40B4-BE49-F238E27FC236}">
-                <a16:creationId xmlns:a16="http://schemas.microsoft.com/office/drawing/2014/main" xmlns="" id="{7ED63F79-B537-416C-BB6C-8C5CCF44E35C}"/>
+                <a16:creationId xmlns="" xmlns:a16="http://schemas.microsoft.com/office/drawing/2014/main" id="{7ED63F79-B537-416C-BB6C-8C5CCF44E35C}"/>
               </a:ext>
             </a:extLst>
           </p:cNvPr>
@@ -17068,7 +17080,7 @@
           <p:cNvPr id="19" name="Straight Arrow Connector 18">
             <a:extLst>
               <a:ext uri="{FF2B5EF4-FFF2-40B4-BE49-F238E27FC236}">
-                <a16:creationId xmlns:a16="http://schemas.microsoft.com/office/drawing/2014/main" xmlns="" id="{244D8DC6-E7E3-40ED-A4D4-7984795D213B}"/>
+                <a16:creationId xmlns="" xmlns:a16="http://schemas.microsoft.com/office/drawing/2014/main" id="{244D8DC6-E7E3-40ED-A4D4-7984795D213B}"/>
               </a:ext>
             </a:extLst>
           </p:cNvPr>
@@ -17111,7 +17123,7 @@
           <p:cNvPr id="20" name="Straight Arrow Connector 19">
             <a:extLst>
               <a:ext uri="{FF2B5EF4-FFF2-40B4-BE49-F238E27FC236}">
-                <a16:creationId xmlns:a16="http://schemas.microsoft.com/office/drawing/2014/main" xmlns="" id="{08E83694-2714-4B7A-B0AC-8A4F9FCB5AD5}"/>
+                <a16:creationId xmlns="" xmlns:a16="http://schemas.microsoft.com/office/drawing/2014/main" id="{08E83694-2714-4B7A-B0AC-8A4F9FCB5AD5}"/>
               </a:ext>
             </a:extLst>
           </p:cNvPr>
@@ -17154,7 +17166,7 @@
           <p:cNvPr id="21" name="TextBox 20">
             <a:extLst>
               <a:ext uri="{FF2B5EF4-FFF2-40B4-BE49-F238E27FC236}">
-                <a16:creationId xmlns:a16="http://schemas.microsoft.com/office/drawing/2014/main" xmlns="" id="{873E18EC-F907-4A4E-81E2-813501680909}"/>
+                <a16:creationId xmlns="" xmlns:a16="http://schemas.microsoft.com/office/drawing/2014/main" id="{873E18EC-F907-4A4E-81E2-813501680909}"/>
               </a:ext>
             </a:extLst>
           </p:cNvPr>
@@ -17189,7 +17201,7 @@
           <p:cNvPr id="22" name="TextBox 21">
             <a:extLst>
               <a:ext uri="{FF2B5EF4-FFF2-40B4-BE49-F238E27FC236}">
-                <a16:creationId xmlns:a16="http://schemas.microsoft.com/office/drawing/2014/main" xmlns="" id="{CC36BFDA-4F63-4EB1-802F-2444D699623C}"/>
+                <a16:creationId xmlns="" xmlns:a16="http://schemas.microsoft.com/office/drawing/2014/main" id="{CC36BFDA-4F63-4EB1-802F-2444D699623C}"/>
               </a:ext>
             </a:extLst>
           </p:cNvPr>
@@ -17224,7 +17236,7 @@
           <p:cNvPr id="23" name="TextBox 22">
             <a:extLst>
               <a:ext uri="{FF2B5EF4-FFF2-40B4-BE49-F238E27FC236}">
-                <a16:creationId xmlns:a16="http://schemas.microsoft.com/office/drawing/2014/main" xmlns="" id="{C62ECF0B-19E4-4709-A964-BA2D802A32D0}"/>
+                <a16:creationId xmlns="" xmlns:a16="http://schemas.microsoft.com/office/drawing/2014/main" id="{C62ECF0B-19E4-4709-A964-BA2D802A32D0}"/>
               </a:ext>
             </a:extLst>
           </p:cNvPr>
@@ -17259,7 +17271,7 @@
           <p:cNvPr id="29" name="TextBox 28">
             <a:extLst>
               <a:ext uri="{FF2B5EF4-FFF2-40B4-BE49-F238E27FC236}">
-                <a16:creationId xmlns:a16="http://schemas.microsoft.com/office/drawing/2014/main" xmlns="" id="{E697DCC4-7B25-4CF9-A572-8FAB029D4CCD}"/>
+                <a16:creationId xmlns="" xmlns:a16="http://schemas.microsoft.com/office/drawing/2014/main" id="{E697DCC4-7B25-4CF9-A572-8FAB029D4CCD}"/>
               </a:ext>
             </a:extLst>
           </p:cNvPr>
@@ -17302,7 +17314,7 @@
           <p:cNvPr id="28" name="TextBox 27">
             <a:extLst>
               <a:ext uri="{FF2B5EF4-FFF2-40B4-BE49-F238E27FC236}">
-                <a16:creationId xmlns:a16="http://schemas.microsoft.com/office/drawing/2014/main" xmlns="" id="{1149FB03-2246-44E7-AE43-748F710ED3CA}"/>
+                <a16:creationId xmlns="" xmlns:a16="http://schemas.microsoft.com/office/drawing/2014/main" id="{1149FB03-2246-44E7-AE43-748F710ED3CA}"/>
               </a:ext>
             </a:extLst>
           </p:cNvPr>
@@ -17337,7 +17349,7 @@
           <p:cNvPr id="30" name="TextBox 29">
             <a:extLst>
               <a:ext uri="{FF2B5EF4-FFF2-40B4-BE49-F238E27FC236}">
-                <a16:creationId xmlns:a16="http://schemas.microsoft.com/office/drawing/2014/main" xmlns="" id="{5FCFB595-A406-498D-A14E-D8AFCD89566A}"/>
+                <a16:creationId xmlns="" xmlns:a16="http://schemas.microsoft.com/office/drawing/2014/main" id="{5FCFB595-A406-498D-A14E-D8AFCD89566A}"/>
               </a:ext>
             </a:extLst>
           </p:cNvPr>
@@ -17372,7 +17384,7 @@
           <p:cNvPr id="31" name="Straight Arrow Connector 30">
             <a:extLst>
               <a:ext uri="{FF2B5EF4-FFF2-40B4-BE49-F238E27FC236}">
-                <a16:creationId xmlns:a16="http://schemas.microsoft.com/office/drawing/2014/main" xmlns="" id="{9D52926A-DB97-42BE-8B67-1A57ECA03CD0}"/>
+                <a16:creationId xmlns="" xmlns:a16="http://schemas.microsoft.com/office/drawing/2014/main" id="{9D52926A-DB97-42BE-8B67-1A57ECA03CD0}"/>
               </a:ext>
             </a:extLst>
           </p:cNvPr>
@@ -17415,7 +17427,7 @@
           <p:cNvPr id="34" name="TextBox 33">
             <a:extLst>
               <a:ext uri="{FF2B5EF4-FFF2-40B4-BE49-F238E27FC236}">
-                <a16:creationId xmlns:a16="http://schemas.microsoft.com/office/drawing/2014/main" xmlns="" id="{1237DE49-CF44-49A9-B14E-82F8B779E5BF}"/>
+                <a16:creationId xmlns="" xmlns:a16="http://schemas.microsoft.com/office/drawing/2014/main" id="{1237DE49-CF44-49A9-B14E-82F8B779E5BF}"/>
               </a:ext>
             </a:extLst>
           </p:cNvPr>
@@ -17450,7 +17462,7 @@
           <p:cNvPr id="35" name="TextBox 34">
             <a:extLst>
               <a:ext uri="{FF2B5EF4-FFF2-40B4-BE49-F238E27FC236}">
-                <a16:creationId xmlns:a16="http://schemas.microsoft.com/office/drawing/2014/main" xmlns="" id="{ADBE4C30-FE5A-4400-A54B-FA0B3153E1DB}"/>
+                <a16:creationId xmlns="" xmlns:a16="http://schemas.microsoft.com/office/drawing/2014/main" id="{ADBE4C30-FE5A-4400-A54B-FA0B3153E1DB}"/>
               </a:ext>
             </a:extLst>
           </p:cNvPr>
@@ -17493,7 +17505,7 @@
           <p:cNvPr id="36" name="Straight Arrow Connector 35">
             <a:extLst>
               <a:ext uri="{FF2B5EF4-FFF2-40B4-BE49-F238E27FC236}">
-                <a16:creationId xmlns:a16="http://schemas.microsoft.com/office/drawing/2014/main" xmlns="" id="{16355941-69BF-4840-BA60-A74A3D9A470A}"/>
+                <a16:creationId xmlns="" xmlns:a16="http://schemas.microsoft.com/office/drawing/2014/main" id="{16355941-69BF-4840-BA60-A74A3D9A470A}"/>
               </a:ext>
             </a:extLst>
           </p:cNvPr>
@@ -17580,7 +17592,7 @@
           <p:cNvPr id="33" name="TextBox 32">
             <a:extLst>
               <a:ext uri="{FF2B5EF4-FFF2-40B4-BE49-F238E27FC236}">
-                <a16:creationId xmlns:a16="http://schemas.microsoft.com/office/drawing/2014/main" xmlns="" id="{9C0F158D-78E4-4AE9-B6F3-23C672AE9B08}"/>
+                <a16:creationId xmlns="" xmlns:a16="http://schemas.microsoft.com/office/drawing/2014/main" id="{9C0F158D-78E4-4AE9-B6F3-23C672AE9B08}"/>
               </a:ext>
             </a:extLst>
           </p:cNvPr>
